--- a/clases/Cap02_Extraccion_de_Caracteristicas/presentations/PAT02_GeometricFeatures.pptx
+++ b/clases/Cap02_Extraccion_de_Caracteristicas/presentations/PAT02_GeometricFeatures.pptx
@@ -5,24 +5,27 @@
     <p:sldMasterId id="2147483648" r:id="rId1"/>
   </p:sldMasterIdLst>
   <p:notesMasterIdLst>
-    <p:notesMasterId r:id="rId17"/>
+    <p:notesMasterId r:id="rId20"/>
   </p:notesMasterIdLst>
   <p:sldIdLst>
     <p:sldId id="313" r:id="rId2"/>
     <p:sldId id="298" r:id="rId3"/>
     <p:sldId id="292" r:id="rId4"/>
     <p:sldId id="311" r:id="rId5"/>
-    <p:sldId id="299" r:id="rId6"/>
-    <p:sldId id="300" r:id="rId7"/>
-    <p:sldId id="289" r:id="rId8"/>
-    <p:sldId id="290" r:id="rId9"/>
-    <p:sldId id="301" r:id="rId10"/>
-    <p:sldId id="302" r:id="rId11"/>
-    <p:sldId id="303" r:id="rId12"/>
-    <p:sldId id="312" r:id="rId13"/>
-    <p:sldId id="305" r:id="rId14"/>
-    <p:sldId id="306" r:id="rId15"/>
-    <p:sldId id="314" r:id="rId16"/>
+    <p:sldId id="317" r:id="rId6"/>
+    <p:sldId id="299" r:id="rId7"/>
+    <p:sldId id="300" r:id="rId8"/>
+    <p:sldId id="289" r:id="rId9"/>
+    <p:sldId id="315" r:id="rId10"/>
+    <p:sldId id="290" r:id="rId11"/>
+    <p:sldId id="316" r:id="rId12"/>
+    <p:sldId id="301" r:id="rId13"/>
+    <p:sldId id="302" r:id="rId14"/>
+    <p:sldId id="303" r:id="rId15"/>
+    <p:sldId id="312" r:id="rId16"/>
+    <p:sldId id="305" r:id="rId17"/>
+    <p:sldId id="306" r:id="rId18"/>
+    <p:sldId id="314" r:id="rId19"/>
   </p:sldIdLst>
   <p:sldSz cx="9144000" cy="6858000" type="screen4x3"/>
   <p:notesSz cx="6858000" cy="9144000"/>
@@ -223,7 +226,7 @@
             <a:fld id="{6331132F-6757-456E-A169-DFC25AF282F4}" type="datetimeFigureOut">
               <a:rPr lang="es-CL" smtClean="0"/>
               <a:pPr/>
-              <a:t>15-03-22</a:t>
+              <a:t>24-03-25</a:t>
             </a:fld>
             <a:endParaRPr lang="es-CL"/>
           </a:p>
@@ -582,6 +585,394 @@
 </p:notes>
 </file>
 
+<file path=ppt/notesSlides/notesSlide2.xml><?xml version="1.0" encoding="utf-8"?>
+<p:notes xmlns:a="http://schemas.openxmlformats.org/drawingml/2006/main" xmlns:r="http://schemas.openxmlformats.org/officeDocument/2006/relationships" xmlns:p="http://schemas.openxmlformats.org/presentationml/2006/main">
+  <p:cSld>
+    <p:spTree>
+      <p:nvGrpSpPr>
+        <p:cNvPr id="1" name="">
+          <a:extLst>
+            <a:ext uri="{FF2B5EF4-FFF2-40B4-BE49-F238E27FC236}">
+              <a16:creationId xmlns:a16="http://schemas.microsoft.com/office/drawing/2014/main" id="{D7473959-E9DD-D07F-A600-9742B6A97DB5}"/>
+            </a:ext>
+          </a:extLst>
+        </p:cNvPr>
+        <p:cNvGrpSpPr/>
+        <p:nvPr/>
+      </p:nvGrpSpPr>
+      <p:grpSpPr>
+        <a:xfrm>
+          <a:off x="0" y="0"/>
+          <a:ext cx="0" cy="0"/>
+          <a:chOff x="0" y="0"/>
+          <a:chExt cx="0" cy="0"/>
+        </a:xfrm>
+      </p:grpSpPr>
+      <p:sp>
+        <p:nvSpPr>
+          <p:cNvPr id="2" name="Slide Image Placeholder 1">
+            <a:extLst>
+              <a:ext uri="{FF2B5EF4-FFF2-40B4-BE49-F238E27FC236}">
+                <a16:creationId xmlns:a16="http://schemas.microsoft.com/office/drawing/2014/main" id="{0DB07259-DE51-DA48-606D-364EB8BD07D2}"/>
+              </a:ext>
+            </a:extLst>
+          </p:cNvPr>
+          <p:cNvSpPr>
+            <a:spLocks noGrp="1" noRot="1" noChangeAspect="1"/>
+          </p:cNvSpPr>
+          <p:nvPr>
+            <p:ph type="sldImg"/>
+          </p:nvPr>
+        </p:nvSpPr>
+        <p:spPr/>
+      </p:sp>
+      <p:sp>
+        <p:nvSpPr>
+          <p:cNvPr id="3" name="Notes Placeholder 2">
+            <a:extLst>
+              <a:ext uri="{FF2B5EF4-FFF2-40B4-BE49-F238E27FC236}">
+                <a16:creationId xmlns:a16="http://schemas.microsoft.com/office/drawing/2014/main" id="{CECDA569-ED59-7F31-D590-26C56A42F7DB}"/>
+              </a:ext>
+            </a:extLst>
+          </p:cNvPr>
+          <p:cNvSpPr>
+            <a:spLocks noGrp="1"/>
+          </p:cNvSpPr>
+          <p:nvPr>
+            <p:ph type="body" idx="1"/>
+          </p:nvPr>
+        </p:nvSpPr>
+        <p:spPr/>
+        <p:txBody>
+          <a:bodyPr/>
+          <a:lstStyle/>
+          <a:p>
+            <a:endParaRPr lang="en-CL" dirty="0"/>
+          </a:p>
+        </p:txBody>
+      </p:sp>
+      <p:sp>
+        <p:nvSpPr>
+          <p:cNvPr id="4" name="Slide Number Placeholder 3">
+            <a:extLst>
+              <a:ext uri="{FF2B5EF4-FFF2-40B4-BE49-F238E27FC236}">
+                <a16:creationId xmlns:a16="http://schemas.microsoft.com/office/drawing/2014/main" id="{E36EFADD-B0F0-BF31-78D2-D6A78303B2A9}"/>
+              </a:ext>
+            </a:extLst>
+          </p:cNvPr>
+          <p:cNvSpPr>
+            <a:spLocks noGrp="1"/>
+          </p:cNvSpPr>
+          <p:nvPr>
+            <p:ph type="sldNum" sz="quarter" idx="5"/>
+          </p:nvPr>
+        </p:nvSpPr>
+        <p:spPr/>
+        <p:txBody>
+          <a:bodyPr/>
+          <a:lstStyle/>
+          <a:p>
+            <a:fld id="{07ABF1C0-D557-4F9B-AA86-3A4B39A187DF}" type="slidenum">
+              <a:rPr lang="es-CL" smtClean="0"/>
+              <a:pPr/>
+              <a:t>5</a:t>
+            </a:fld>
+            <a:endParaRPr lang="es-CL"/>
+          </a:p>
+        </p:txBody>
+      </p:sp>
+    </p:spTree>
+    <p:extLst>
+      <p:ext uri="{BB962C8B-B14F-4D97-AF65-F5344CB8AC3E}">
+        <p14:creationId xmlns:p14="http://schemas.microsoft.com/office/powerpoint/2010/main" val="3783343489"/>
+      </p:ext>
+    </p:extLst>
+  </p:cSld>
+  <p:clrMapOvr>
+    <a:masterClrMapping/>
+  </p:clrMapOvr>
+</p:notes>
+</file>
+
+<file path=ppt/notesSlides/notesSlide3.xml><?xml version="1.0" encoding="utf-8"?>
+<p:notes xmlns:a="http://schemas.openxmlformats.org/drawingml/2006/main" xmlns:r="http://schemas.openxmlformats.org/officeDocument/2006/relationships" xmlns:p="http://schemas.openxmlformats.org/presentationml/2006/main">
+  <p:cSld>
+    <p:spTree>
+      <p:nvGrpSpPr>
+        <p:cNvPr id="1" name=""/>
+        <p:cNvGrpSpPr/>
+        <p:nvPr/>
+      </p:nvGrpSpPr>
+      <p:grpSpPr>
+        <a:xfrm>
+          <a:off x="0" y="0"/>
+          <a:ext cx="0" cy="0"/>
+          <a:chOff x="0" y="0"/>
+          <a:chExt cx="0" cy="0"/>
+        </a:xfrm>
+      </p:grpSpPr>
+      <p:sp>
+        <p:nvSpPr>
+          <p:cNvPr id="2" name="Slide Image Placeholder 1"/>
+          <p:cNvSpPr>
+            <a:spLocks noGrp="1" noRot="1" noChangeAspect="1"/>
+          </p:cNvSpPr>
+          <p:nvPr>
+            <p:ph type="sldImg"/>
+          </p:nvPr>
+        </p:nvSpPr>
+        <p:spPr/>
+      </p:sp>
+      <p:sp>
+        <p:nvSpPr>
+          <p:cNvPr id="3" name="Notes Placeholder 2"/>
+          <p:cNvSpPr>
+            <a:spLocks noGrp="1"/>
+          </p:cNvSpPr>
+          <p:nvPr>
+            <p:ph type="body" idx="1"/>
+          </p:nvPr>
+        </p:nvSpPr>
+        <p:spPr/>
+        <p:txBody>
+          <a:bodyPr/>
+          <a:lstStyle/>
+          <a:p>
+            <a:endParaRPr lang="en-CL" dirty="0"/>
+          </a:p>
+        </p:txBody>
+      </p:sp>
+      <p:sp>
+        <p:nvSpPr>
+          <p:cNvPr id="4" name="Slide Number Placeholder 3"/>
+          <p:cNvSpPr>
+            <a:spLocks noGrp="1"/>
+          </p:cNvSpPr>
+          <p:nvPr>
+            <p:ph type="sldNum" sz="quarter" idx="5"/>
+          </p:nvPr>
+        </p:nvSpPr>
+        <p:spPr/>
+        <p:txBody>
+          <a:bodyPr/>
+          <a:lstStyle/>
+          <a:p>
+            <a:fld id="{07ABF1C0-D557-4F9B-AA86-3A4B39A187DF}" type="slidenum">
+              <a:rPr lang="es-CL" smtClean="0"/>
+              <a:pPr/>
+              <a:t>8</a:t>
+            </a:fld>
+            <a:endParaRPr lang="es-CL"/>
+          </a:p>
+        </p:txBody>
+      </p:sp>
+    </p:spTree>
+    <p:extLst>
+      <p:ext uri="{BB962C8B-B14F-4D97-AF65-F5344CB8AC3E}">
+        <p14:creationId xmlns:p14="http://schemas.microsoft.com/office/powerpoint/2010/main" val="4086590330"/>
+      </p:ext>
+    </p:extLst>
+  </p:cSld>
+  <p:clrMapOvr>
+    <a:masterClrMapping/>
+  </p:clrMapOvr>
+</p:notes>
+</file>
+
+<file path=ppt/notesSlides/notesSlide4.xml><?xml version="1.0" encoding="utf-8"?>
+<p:notes xmlns:a="http://schemas.openxmlformats.org/drawingml/2006/main" xmlns:r="http://schemas.openxmlformats.org/officeDocument/2006/relationships" xmlns:p="http://schemas.openxmlformats.org/presentationml/2006/main">
+  <p:cSld>
+    <p:spTree>
+      <p:nvGrpSpPr>
+        <p:cNvPr id="1" name=""/>
+        <p:cNvGrpSpPr/>
+        <p:nvPr/>
+      </p:nvGrpSpPr>
+      <p:grpSpPr>
+        <a:xfrm>
+          <a:off x="0" y="0"/>
+          <a:ext cx="0" cy="0"/>
+          <a:chOff x="0" y="0"/>
+          <a:chExt cx="0" cy="0"/>
+        </a:xfrm>
+      </p:grpSpPr>
+      <p:sp>
+        <p:nvSpPr>
+          <p:cNvPr id="2" name="Slide Image Placeholder 1"/>
+          <p:cNvSpPr>
+            <a:spLocks noGrp="1" noRot="1" noChangeAspect="1"/>
+          </p:cNvSpPr>
+          <p:nvPr>
+            <p:ph type="sldImg"/>
+          </p:nvPr>
+        </p:nvSpPr>
+        <p:spPr/>
+      </p:sp>
+      <p:sp>
+        <p:nvSpPr>
+          <p:cNvPr id="3" name="Notes Placeholder 2"/>
+          <p:cNvSpPr>
+            <a:spLocks noGrp="1"/>
+          </p:cNvSpPr>
+          <p:nvPr>
+            <p:ph type="body" idx="1"/>
+          </p:nvPr>
+        </p:nvSpPr>
+        <p:spPr/>
+        <p:txBody>
+          <a:bodyPr/>
+          <a:lstStyle/>
+          <a:p>
+            <a:endParaRPr lang="en-CL" dirty="0"/>
+          </a:p>
+        </p:txBody>
+      </p:sp>
+      <p:sp>
+        <p:nvSpPr>
+          <p:cNvPr id="4" name="Slide Number Placeholder 3"/>
+          <p:cNvSpPr>
+            <a:spLocks noGrp="1"/>
+          </p:cNvSpPr>
+          <p:nvPr>
+            <p:ph type="sldNum" sz="quarter" idx="5"/>
+          </p:nvPr>
+        </p:nvSpPr>
+        <p:spPr/>
+        <p:txBody>
+          <a:bodyPr/>
+          <a:lstStyle/>
+          <a:p>
+            <a:fld id="{07ABF1C0-D557-4F9B-AA86-3A4B39A187DF}" type="slidenum">
+              <a:rPr lang="es-CL" smtClean="0"/>
+              <a:pPr/>
+              <a:t>9</a:t>
+            </a:fld>
+            <a:endParaRPr lang="es-CL"/>
+          </a:p>
+        </p:txBody>
+      </p:sp>
+    </p:spTree>
+    <p:extLst>
+      <p:ext uri="{BB962C8B-B14F-4D97-AF65-F5344CB8AC3E}">
+        <p14:creationId xmlns:p14="http://schemas.microsoft.com/office/powerpoint/2010/main" val="3479516296"/>
+      </p:ext>
+    </p:extLst>
+  </p:cSld>
+  <p:clrMapOvr>
+    <a:masterClrMapping/>
+  </p:clrMapOvr>
+</p:notes>
+</file>
+
+<file path=ppt/notesSlides/notesSlide5.xml><?xml version="1.0" encoding="utf-8"?>
+<p:notes xmlns:a="http://schemas.openxmlformats.org/drawingml/2006/main" xmlns:r="http://schemas.openxmlformats.org/officeDocument/2006/relationships" xmlns:p="http://schemas.openxmlformats.org/presentationml/2006/main">
+  <p:cSld>
+    <p:spTree>
+      <p:nvGrpSpPr>
+        <p:cNvPr id="1" name="">
+          <a:extLst>
+            <a:ext uri="{FF2B5EF4-FFF2-40B4-BE49-F238E27FC236}">
+              <a16:creationId xmlns:a16="http://schemas.microsoft.com/office/drawing/2014/main" id="{8EBA5EED-888A-1D06-4FAA-516E36E24C9A}"/>
+            </a:ext>
+          </a:extLst>
+        </p:cNvPr>
+        <p:cNvGrpSpPr/>
+        <p:nvPr/>
+      </p:nvGrpSpPr>
+      <p:grpSpPr>
+        <a:xfrm>
+          <a:off x="0" y="0"/>
+          <a:ext cx="0" cy="0"/>
+          <a:chOff x="0" y="0"/>
+          <a:chExt cx="0" cy="0"/>
+        </a:xfrm>
+      </p:grpSpPr>
+      <p:sp>
+        <p:nvSpPr>
+          <p:cNvPr id="2" name="Slide Image Placeholder 1">
+            <a:extLst>
+              <a:ext uri="{FF2B5EF4-FFF2-40B4-BE49-F238E27FC236}">
+                <a16:creationId xmlns:a16="http://schemas.microsoft.com/office/drawing/2014/main" id="{E50B68F2-5879-4268-1724-02BCFDBC4871}"/>
+              </a:ext>
+            </a:extLst>
+          </p:cNvPr>
+          <p:cNvSpPr>
+            <a:spLocks noGrp="1" noRot="1" noChangeAspect="1"/>
+          </p:cNvSpPr>
+          <p:nvPr>
+            <p:ph type="sldImg"/>
+          </p:nvPr>
+        </p:nvSpPr>
+        <p:spPr/>
+      </p:sp>
+      <p:sp>
+        <p:nvSpPr>
+          <p:cNvPr id="3" name="Notes Placeholder 2">
+            <a:extLst>
+              <a:ext uri="{FF2B5EF4-FFF2-40B4-BE49-F238E27FC236}">
+                <a16:creationId xmlns:a16="http://schemas.microsoft.com/office/drawing/2014/main" id="{1A23C451-C52B-0A5C-8165-69DBF1898A44}"/>
+              </a:ext>
+            </a:extLst>
+          </p:cNvPr>
+          <p:cNvSpPr>
+            <a:spLocks noGrp="1"/>
+          </p:cNvSpPr>
+          <p:nvPr>
+            <p:ph type="body" idx="1"/>
+          </p:nvPr>
+        </p:nvSpPr>
+        <p:spPr/>
+        <p:txBody>
+          <a:bodyPr/>
+          <a:lstStyle/>
+          <a:p>
+            <a:endParaRPr lang="en-CL" dirty="0"/>
+          </a:p>
+        </p:txBody>
+      </p:sp>
+      <p:sp>
+        <p:nvSpPr>
+          <p:cNvPr id="4" name="Slide Number Placeholder 3">
+            <a:extLst>
+              <a:ext uri="{FF2B5EF4-FFF2-40B4-BE49-F238E27FC236}">
+                <a16:creationId xmlns:a16="http://schemas.microsoft.com/office/drawing/2014/main" id="{80C16BA0-971A-58AC-ED70-CBBD0F918E13}"/>
+              </a:ext>
+            </a:extLst>
+          </p:cNvPr>
+          <p:cNvSpPr>
+            <a:spLocks noGrp="1"/>
+          </p:cNvSpPr>
+          <p:nvPr>
+            <p:ph type="sldNum" sz="quarter" idx="5"/>
+          </p:nvPr>
+        </p:nvSpPr>
+        <p:spPr/>
+        <p:txBody>
+          <a:bodyPr/>
+          <a:lstStyle/>
+          <a:p>
+            <a:fld id="{07ABF1C0-D557-4F9B-AA86-3A4B39A187DF}" type="slidenum">
+              <a:rPr lang="es-CL" smtClean="0"/>
+              <a:pPr/>
+              <a:t>11</a:t>
+            </a:fld>
+            <a:endParaRPr lang="es-CL"/>
+          </a:p>
+        </p:txBody>
+      </p:sp>
+    </p:spTree>
+    <p:extLst>
+      <p:ext uri="{BB962C8B-B14F-4D97-AF65-F5344CB8AC3E}">
+        <p14:creationId xmlns:p14="http://schemas.microsoft.com/office/powerpoint/2010/main" val="55293145"/>
+      </p:ext>
+    </p:extLst>
+  </p:cSld>
+  <p:clrMapOvr>
+    <a:masterClrMapping/>
+  </p:clrMapOvr>
+</p:notes>
+</file>
+
 <file path=ppt/slideLayouts/slideLayout1.xml><?xml version="1.0" encoding="utf-8"?>
 <p:sldLayout xmlns:a="http://schemas.openxmlformats.org/drawingml/2006/main" xmlns:r="http://schemas.openxmlformats.org/officeDocument/2006/relationships" xmlns:p="http://schemas.openxmlformats.org/presentationml/2006/main" type="title" preserve="1">
   <p:cSld name="Diapositiva de título">
@@ -764,7 +1155,7 @@
             <a:fld id="{CBB330BB-3945-4562-998B-13630C30D4E7}" type="datetimeFigureOut">
               <a:rPr lang="es-CL" smtClean="0"/>
               <a:pPr/>
-              <a:t>15-03-22</a:t>
+              <a:t>24-03-25</a:t>
             </a:fld>
             <a:endParaRPr lang="es-CL"/>
           </a:p>
@@ -931,7 +1322,7 @@
             <a:fld id="{CBB330BB-3945-4562-998B-13630C30D4E7}" type="datetimeFigureOut">
               <a:rPr lang="es-CL" smtClean="0"/>
               <a:pPr/>
-              <a:t>15-03-22</a:t>
+              <a:t>24-03-25</a:t>
             </a:fld>
             <a:endParaRPr lang="es-CL"/>
           </a:p>
@@ -1108,7 +1499,7 @@
             <a:fld id="{CBB330BB-3945-4562-998B-13630C30D4E7}" type="datetimeFigureOut">
               <a:rPr lang="es-CL" smtClean="0"/>
               <a:pPr/>
-              <a:t>15-03-22</a:t>
+              <a:t>24-03-25</a:t>
             </a:fld>
             <a:endParaRPr lang="es-CL"/>
           </a:p>
@@ -1275,7 +1666,7 @@
             <a:fld id="{CBB330BB-3945-4562-998B-13630C30D4E7}" type="datetimeFigureOut">
               <a:rPr lang="es-CL" smtClean="0"/>
               <a:pPr/>
-              <a:t>15-03-22</a:t>
+              <a:t>24-03-25</a:t>
             </a:fld>
             <a:endParaRPr lang="es-CL"/>
           </a:p>
@@ -1518,7 +1909,7 @@
             <a:fld id="{CBB330BB-3945-4562-998B-13630C30D4E7}" type="datetimeFigureOut">
               <a:rPr lang="es-CL" smtClean="0"/>
               <a:pPr/>
-              <a:t>15-03-22</a:t>
+              <a:t>24-03-25</a:t>
             </a:fld>
             <a:endParaRPr lang="es-CL"/>
           </a:p>
@@ -1803,7 +2194,7 @@
             <a:fld id="{CBB330BB-3945-4562-998B-13630C30D4E7}" type="datetimeFigureOut">
               <a:rPr lang="es-CL" smtClean="0"/>
               <a:pPr/>
-              <a:t>15-03-22</a:t>
+              <a:t>24-03-25</a:t>
             </a:fld>
             <a:endParaRPr lang="es-CL"/>
           </a:p>
@@ -2222,7 +2613,7 @@
             <a:fld id="{CBB330BB-3945-4562-998B-13630C30D4E7}" type="datetimeFigureOut">
               <a:rPr lang="es-CL" smtClean="0"/>
               <a:pPr/>
-              <a:t>15-03-22</a:t>
+              <a:t>24-03-25</a:t>
             </a:fld>
             <a:endParaRPr lang="es-CL"/>
           </a:p>
@@ -2337,7 +2728,7 @@
             <a:fld id="{CBB330BB-3945-4562-998B-13630C30D4E7}" type="datetimeFigureOut">
               <a:rPr lang="es-CL" smtClean="0"/>
               <a:pPr/>
-              <a:t>15-03-22</a:t>
+              <a:t>24-03-25</a:t>
             </a:fld>
             <a:endParaRPr lang="es-CL"/>
           </a:p>
@@ -2429,7 +2820,7 @@
             <a:fld id="{CBB330BB-3945-4562-998B-13630C30D4E7}" type="datetimeFigureOut">
               <a:rPr lang="es-CL" smtClean="0"/>
               <a:pPr/>
-              <a:t>15-03-22</a:t>
+              <a:t>24-03-25</a:t>
             </a:fld>
             <a:endParaRPr lang="es-CL"/>
           </a:p>
@@ -2703,7 +3094,7 @@
             <a:fld id="{CBB330BB-3945-4562-998B-13630C30D4E7}" type="datetimeFigureOut">
               <a:rPr lang="es-CL" smtClean="0"/>
               <a:pPr/>
-              <a:t>15-03-22</a:t>
+              <a:t>24-03-25</a:t>
             </a:fld>
             <a:endParaRPr lang="es-CL"/>
           </a:p>
@@ -2953,7 +3344,7 @@
             <a:fld id="{CBB330BB-3945-4562-998B-13630C30D4E7}" type="datetimeFigureOut">
               <a:rPr lang="es-CL" smtClean="0"/>
               <a:pPr/>
-              <a:t>15-03-22</a:t>
+              <a:t>24-03-25</a:t>
             </a:fld>
             <a:endParaRPr lang="es-CL"/>
           </a:p>
@@ -3163,7 +3554,7 @@
             <a:fld id="{CBB330BB-3945-4562-998B-13630C30D4E7}" type="datetimeFigureOut">
               <a:rPr lang="es-CL" smtClean="0"/>
               <a:pPr/>
-              <a:t>15-03-22</a:t>
+              <a:t>24-03-25</a:t>
             </a:fld>
             <a:endParaRPr lang="es-CL"/>
           </a:p>
@@ -4811,6 +5202,1702 @@
           <a:chExt cx="0" cy="0"/>
         </a:xfrm>
       </p:grpSpPr>
+      <p:graphicFrame>
+        <p:nvGraphicFramePr>
+          <p:cNvPr id="6" name="Object 7"/>
+          <p:cNvGraphicFramePr>
+            <a:graphicFrameLocks noChangeAspect="1"/>
+          </p:cNvGraphicFramePr>
+          <p:nvPr>
+            <p:extLst>
+              <p:ext uri="{D42A27DB-BD31-4B8C-83A1-F6EECF244321}">
+                <p14:modId xmlns:p14="http://schemas.microsoft.com/office/powerpoint/2010/main" val="1993252334"/>
+              </p:ext>
+            </p:extLst>
+          </p:nvPr>
+        </p:nvGraphicFramePr>
+        <p:xfrm>
+          <a:off x="200025" y="1085850"/>
+          <a:ext cx="8745538" cy="5314950"/>
+        </p:xfrm>
+        <a:graphic>
+          <a:graphicData uri="http://schemas.openxmlformats.org/presentationml/2006/ole">
+            <mc:AlternateContent xmlns:mc="http://schemas.openxmlformats.org/markup-compatibility/2006">
+              <mc:Choice xmlns:v="urn:schemas-microsoft-com:vml" Requires="v">
+                <p:oleObj name="Fotografía de Photo Editor" r:id="rId2" imgW="8745171" imgH="5315692" progId="MSPhotoEd.3">
+                  <p:embed/>
+                </p:oleObj>
+              </mc:Choice>
+              <mc:Fallback>
+                <p:oleObj name="Fotografía de Photo Editor" r:id="rId2" imgW="8745171" imgH="5315692" progId="MSPhotoEd.3">
+                  <p:embed/>
+                  <p:pic>
+                    <p:nvPicPr>
+                      <p:cNvPr id="0" name=""/>
+                      <p:cNvPicPr>
+                        <a:picLocks noChangeAspect="1" noChangeArrowheads="1"/>
+                      </p:cNvPicPr>
+                      <p:nvPr/>
+                    </p:nvPicPr>
+                    <p:blipFill>
+                      <a:blip r:embed="rId3">
+                        <a:extLst>
+                          <a:ext uri="{28A0092B-C50C-407E-A947-70E740481C1C}">
+                            <a14:useLocalDpi xmlns:a14="http://schemas.microsoft.com/office/drawing/2010/main" val="0"/>
+                          </a:ext>
+                        </a:extLst>
+                      </a:blip>
+                      <a:srcRect/>
+                      <a:stretch>
+                        <a:fillRect/>
+                      </a:stretch>
+                    </p:blipFill>
+                    <p:spPr bwMode="auto">
+                      <a:xfrm>
+                        <a:off x="200025" y="1085850"/>
+                        <a:ext cx="8745538" cy="5314950"/>
+                      </a:xfrm>
+                      <a:prstGeom prst="rect">
+                        <a:avLst/>
+                      </a:prstGeom>
+                      <a:noFill/>
+                      <a:ln>
+                        <a:noFill/>
+                      </a:ln>
+                      <a:effectLst/>
+                      <a:extLst>
+                        <a:ext uri="{909E8E84-426E-40dd-AFC4-6F175D3DCCD1}">
+                          <a14:hiddenFill xmlns="" xmlns:a14="http://schemas.microsoft.com/office/drawing/2010/main">
+                            <a:solidFill>
+                              <a:schemeClr val="accent1"/>
+                            </a:solidFill>
+                          </a14:hiddenFill>
+                        </a:ext>
+                        <a:ext uri="{91240B29-F687-4f45-9708-019B960494DF}">
+                          <a14:hiddenLine xmlns="" xmlns:a14="http://schemas.microsoft.com/office/drawing/2010/main" w="9525">
+                            <a:solidFill>
+                              <a:schemeClr val="tx1"/>
+                            </a:solidFill>
+                            <a:miter lim="800000"/>
+                            <a:headEnd/>
+                            <a:tailEnd/>
+                          </a14:hiddenLine>
+                        </a:ext>
+                        <a:ext uri="{AF507438-7753-43e0-B8FC-AC1667EBCBE1}">
+                          <a14:hiddenEffects xmlns="" xmlns:a14="http://schemas.microsoft.com/office/drawing/2010/main">
+                            <a:effectLst>
+                              <a:outerShdw blurRad="63500" dist="38099" dir="2700000" algn="ctr" rotWithShape="0">
+                                <a:schemeClr val="bg2">
+                                  <a:alpha val="74998"/>
+                                </a:schemeClr>
+                              </a:outerShdw>
+                            </a:effectLst>
+                          </a14:hiddenEffects>
+                        </a:ext>
+                      </a:extLst>
+                    </p:spPr>
+                  </p:pic>
+                </p:oleObj>
+              </mc:Fallback>
+            </mc:AlternateContent>
+          </a:graphicData>
+        </a:graphic>
+      </p:graphicFrame>
+      <p:sp>
+        <p:nvSpPr>
+          <p:cNvPr id="10" name="TextBox 9"/>
+          <p:cNvSpPr txBox="1"/>
+          <p:nvPr/>
+        </p:nvSpPr>
+        <p:spPr>
+          <a:xfrm>
+            <a:off x="0" y="5041900"/>
+            <a:ext cx="1531188" cy="584776"/>
+          </a:xfrm>
+          <a:prstGeom prst="rect">
+            <a:avLst/>
+          </a:prstGeom>
+          <a:solidFill>
+            <a:srgbClr val="FFFFFF"/>
+          </a:solidFill>
+        </p:spPr>
+        <p:txBody>
+          <a:bodyPr wrap="none" rtlCol="0">
+            <a:spAutoFit/>
+          </a:bodyPr>
+          <a:lstStyle/>
+          <a:p>
+            <a:r>
+              <a:rPr lang="en-US" sz="3200" dirty="0">
+                <a:latin typeface="LM Roman 10 Regular"/>
+                <a:cs typeface="LM Roman 10 Regular"/>
+              </a:rPr>
+              <a:t>    with </a:t>
+            </a:r>
+          </a:p>
+        </p:txBody>
+      </p:sp>
+      <p:sp>
+        <p:nvSpPr>
+          <p:cNvPr id="11" name="TextBox 10"/>
+          <p:cNvSpPr txBox="1"/>
+          <p:nvPr/>
+        </p:nvSpPr>
+        <p:spPr>
+          <a:xfrm>
+            <a:off x="482600" y="330200"/>
+            <a:ext cx="3142432" cy="646331"/>
+          </a:xfrm>
+          <a:prstGeom prst="rect">
+            <a:avLst/>
+          </a:prstGeom>
+          <a:noFill/>
+        </p:spPr>
+        <p:txBody>
+          <a:bodyPr wrap="none" rtlCol="0">
+            <a:spAutoFit/>
+          </a:bodyPr>
+          <a:lstStyle/>
+          <a:p>
+            <a:r>
+              <a:rPr lang="en-US" sz="3600" b="1" dirty="0">
+                <a:latin typeface="Trebuchet MS"/>
+                <a:cs typeface="Trebuchet MS"/>
+              </a:rPr>
+              <a:t>Hu - Moments</a:t>
+            </a:r>
+          </a:p>
+        </p:txBody>
+      </p:sp>
+      <p:sp>
+        <p:nvSpPr>
+          <p:cNvPr id="7" name="TextBox 6"/>
+          <p:cNvSpPr txBox="1"/>
+          <p:nvPr/>
+        </p:nvSpPr>
+        <p:spPr>
+          <a:xfrm>
+            <a:off x="5264599" y="147436"/>
+            <a:ext cx="3899625" cy="2308324"/>
+          </a:xfrm>
+          <a:prstGeom prst="rect">
+            <a:avLst/>
+          </a:prstGeom>
+          <a:noFill/>
+        </p:spPr>
+        <p:txBody>
+          <a:bodyPr wrap="none" rtlCol="0">
+            <a:spAutoFit/>
+          </a:bodyPr>
+          <a:lstStyle/>
+          <a:p>
+            <a:endParaRPr lang="en-US" sz="2400" dirty="0">
+              <a:solidFill>
+                <a:srgbClr val="3366FF"/>
+              </a:solidFill>
+              <a:latin typeface="Trebuchet MS"/>
+              <a:cs typeface="Trebuchet MS"/>
+            </a:endParaRPr>
+          </a:p>
+          <a:p>
+            <a:r>
+              <a:rPr lang="en-US" sz="2400" dirty="0">
+                <a:solidFill>
+                  <a:srgbClr val="3366FF"/>
+                </a:solidFill>
+                <a:latin typeface="Trebuchet MS"/>
+                <a:cs typeface="Trebuchet MS"/>
+              </a:rPr>
+              <a:t>They are invariant against: </a:t>
+            </a:r>
+          </a:p>
+          <a:p>
+            <a:pPr marL="742950" lvl="1" indent="-285750">
+              <a:buFont typeface="Arial"/>
+              <a:buChar char="•"/>
+            </a:pPr>
+            <a:r>
+              <a:rPr lang="en-US" sz="2400" dirty="0">
+                <a:solidFill>
+                  <a:srgbClr val="3366FF"/>
+                </a:solidFill>
+                <a:latin typeface="Trebuchet MS"/>
+                <a:cs typeface="Trebuchet MS"/>
+              </a:rPr>
+              <a:t>scale, </a:t>
+            </a:r>
+          </a:p>
+          <a:p>
+            <a:pPr marL="742950" lvl="1" indent="-285750">
+              <a:buFont typeface="Arial"/>
+              <a:buChar char="•"/>
+            </a:pPr>
+            <a:r>
+              <a:rPr lang="en-US" sz="2400" dirty="0">
+                <a:solidFill>
+                  <a:srgbClr val="3366FF"/>
+                </a:solidFill>
+                <a:latin typeface="Trebuchet MS"/>
+                <a:cs typeface="Trebuchet MS"/>
+              </a:rPr>
+              <a:t>rotation and </a:t>
+            </a:r>
+          </a:p>
+          <a:p>
+            <a:pPr marL="742950" lvl="1" indent="-285750">
+              <a:buFont typeface="Arial"/>
+              <a:buChar char="•"/>
+            </a:pPr>
+            <a:r>
+              <a:rPr lang="en-US" sz="2400" dirty="0">
+                <a:solidFill>
+                  <a:srgbClr val="3366FF"/>
+                </a:solidFill>
+                <a:latin typeface="Trebuchet MS"/>
+                <a:cs typeface="Trebuchet MS"/>
+              </a:rPr>
+              <a:t>location</a:t>
+            </a:r>
+          </a:p>
+          <a:p>
+            <a:pPr marL="285750" indent="-285750">
+              <a:buFont typeface="Arial"/>
+              <a:buChar char="•"/>
+            </a:pPr>
+            <a:endParaRPr lang="en-US" sz="2400" dirty="0">
+              <a:solidFill>
+                <a:srgbClr val="3366FF"/>
+              </a:solidFill>
+              <a:latin typeface="LM Roman 10 Regular"/>
+              <a:cs typeface="LM Roman 10 Regular"/>
+            </a:endParaRPr>
+          </a:p>
+        </p:txBody>
+      </p:sp>
+      <p:sp>
+        <p:nvSpPr>
+          <p:cNvPr id="2" name="TextBox 1"/>
+          <p:cNvSpPr txBox="1"/>
+          <p:nvPr/>
+        </p:nvSpPr>
+        <p:spPr>
+          <a:xfrm>
+            <a:off x="179609" y="6519541"/>
+            <a:ext cx="9465016" cy="276999"/>
+          </a:xfrm>
+          <a:prstGeom prst="rect">
+            <a:avLst/>
+          </a:prstGeom>
+          <a:noFill/>
+        </p:spPr>
+        <p:txBody>
+          <a:bodyPr wrap="square" rtlCol="0">
+            <a:spAutoFit/>
+          </a:bodyPr>
+          <a:lstStyle/>
+          <a:p>
+            <a:r>
+              <a:rPr lang="en-US" sz="1200" dirty="0">
+                <a:latin typeface="Trebuchet MS"/>
+                <a:cs typeface="Trebuchet MS"/>
+              </a:rPr>
+              <a:t>Hu, M.K. (1962): </a:t>
+            </a:r>
+            <a:r>
+              <a:rPr lang="en-US" sz="1200" dirty="0">
+                <a:latin typeface="Trebuchet MS"/>
+                <a:cs typeface="Trebuchet MS"/>
+                <a:hlinkClick r:id="rId4"/>
+              </a:rPr>
+              <a:t>Visual Pattern Recognition by moment invariants</a:t>
+            </a:r>
+            <a:r>
+              <a:rPr lang="en-US" sz="1200" dirty="0">
+                <a:latin typeface="Trebuchet MS"/>
+                <a:cs typeface="Trebuchet MS"/>
+              </a:rPr>
+              <a:t>. IRE Trans. On Information Theory, 8(2): 179-187.</a:t>
+            </a:r>
+          </a:p>
+        </p:txBody>
+      </p:sp>
+    </p:spTree>
+    <p:extLst>
+      <p:ext uri="{BB962C8B-B14F-4D97-AF65-F5344CB8AC3E}">
+        <p14:creationId xmlns:p14="http://schemas.microsoft.com/office/powerpoint/2010/main" val="3851550136"/>
+      </p:ext>
+    </p:extLst>
+  </p:cSld>
+  <p:clrMapOvr>
+    <a:masterClrMapping/>
+  </p:clrMapOvr>
+  <p:timing>
+    <p:tnLst>
+      <p:par>
+        <p:cTn id="1" dur="indefinite" restart="never" nodeType="tmRoot">
+          <p:childTnLst>
+            <p:seq concurrent="1" nextAc="seek">
+              <p:cTn id="2" dur="indefinite" nodeType="mainSeq">
+                <p:childTnLst>
+                  <p:par>
+                    <p:cTn id="3" fill="hold">
+                      <p:stCondLst>
+                        <p:cond delay="indefinite"/>
+                      </p:stCondLst>
+                      <p:childTnLst>
+                        <p:par>
+                          <p:cTn id="4" fill="hold">
+                            <p:stCondLst>
+                              <p:cond delay="0"/>
+                            </p:stCondLst>
+                            <p:childTnLst>
+                              <p:par>
+                                <p:cTn id="5" presetID="1" presetClass="entr" presetSubtype="0" fill="hold" grpId="0" nodeType="clickEffect">
+                                  <p:stCondLst>
+                                    <p:cond delay="0"/>
+                                  </p:stCondLst>
+                                  <p:childTnLst>
+                                    <p:set>
+                                      <p:cBhvr>
+                                        <p:cTn id="6" dur="1" fill="hold">
+                                          <p:stCondLst>
+                                            <p:cond delay="0"/>
+                                          </p:stCondLst>
+                                        </p:cTn>
+                                        <p:tgtEl>
+                                          <p:spTgt spid="7"/>
+                                        </p:tgtEl>
+                                        <p:attrNameLst>
+                                          <p:attrName>style.visibility</p:attrName>
+                                        </p:attrNameLst>
+                                      </p:cBhvr>
+                                      <p:to>
+                                        <p:strVal val="visible"/>
+                                      </p:to>
+                                    </p:set>
+                                  </p:childTnLst>
+                                </p:cTn>
+                              </p:par>
+                            </p:childTnLst>
+                          </p:cTn>
+                        </p:par>
+                      </p:childTnLst>
+                    </p:cTn>
+                  </p:par>
+                </p:childTnLst>
+              </p:cTn>
+              <p:prevCondLst>
+                <p:cond evt="onPrev" delay="0">
+                  <p:tgtEl>
+                    <p:sldTgt/>
+                  </p:tgtEl>
+                </p:cond>
+              </p:prevCondLst>
+              <p:nextCondLst>
+                <p:cond evt="onNext" delay="0">
+                  <p:tgtEl>
+                    <p:sldTgt/>
+                  </p:tgtEl>
+                </p:cond>
+              </p:nextCondLst>
+            </p:seq>
+          </p:childTnLst>
+        </p:cTn>
+      </p:par>
+    </p:tnLst>
+    <p:bldLst>
+      <p:bldP spid="7" grpId="0"/>
+    </p:bldLst>
+  </p:timing>
+</p:sld>
+</file>
+
+<file path=ppt/slides/slide11.xml><?xml version="1.0" encoding="utf-8"?>
+<p:sld xmlns:a="http://schemas.openxmlformats.org/drawingml/2006/main" xmlns:r="http://schemas.openxmlformats.org/officeDocument/2006/relationships" xmlns:p="http://schemas.openxmlformats.org/presentationml/2006/main">
+  <p:cSld>
+    <p:spTree>
+      <p:nvGrpSpPr>
+        <p:cNvPr id="1" name="">
+          <a:extLst>
+            <a:ext uri="{FF2B5EF4-FFF2-40B4-BE49-F238E27FC236}">
+              <a16:creationId xmlns:a16="http://schemas.microsoft.com/office/drawing/2014/main" id="{5323F2F1-739F-C641-6267-5387485601BA}"/>
+            </a:ext>
+          </a:extLst>
+        </p:cNvPr>
+        <p:cNvGrpSpPr/>
+        <p:nvPr/>
+      </p:nvGrpSpPr>
+      <p:grpSpPr>
+        <a:xfrm>
+          <a:off x="0" y="0"/>
+          <a:ext cx="0" cy="0"/>
+          <a:chOff x="0" y="0"/>
+          <a:chExt cx="0" cy="0"/>
+        </a:xfrm>
+      </p:grpSpPr>
+      <p:sp>
+        <p:nvSpPr>
+          <p:cNvPr id="11" name="TextBox 10">
+            <a:extLst>
+              <a:ext uri="{FF2B5EF4-FFF2-40B4-BE49-F238E27FC236}">
+                <a16:creationId xmlns:a16="http://schemas.microsoft.com/office/drawing/2014/main" id="{47E9F120-CD0A-B305-0FC4-B9A73E449826}"/>
+              </a:ext>
+            </a:extLst>
+          </p:cNvPr>
+          <p:cNvSpPr txBox="1"/>
+          <p:nvPr/>
+        </p:nvSpPr>
+        <p:spPr>
+          <a:xfrm>
+            <a:off x="482600" y="330200"/>
+            <a:ext cx="7085594" cy="646331"/>
+          </a:xfrm>
+          <a:prstGeom prst="rect">
+            <a:avLst/>
+          </a:prstGeom>
+          <a:noFill/>
+        </p:spPr>
+        <p:txBody>
+          <a:bodyPr wrap="none" rtlCol="0">
+            <a:spAutoFit/>
+          </a:bodyPr>
+          <a:lstStyle/>
+          <a:p>
+            <a:r>
+              <a:rPr lang="en-US" sz="3600" b="1" dirty="0">
+                <a:latin typeface="Trebuchet MS"/>
+                <a:cs typeface="Trebuchet MS"/>
+              </a:rPr>
+              <a:t>Example: 9x9 binary image - Hu</a:t>
+            </a:r>
+          </a:p>
+        </p:txBody>
+      </p:sp>
+      <p:pic>
+        <p:nvPicPr>
+          <p:cNvPr id="3" name="Picture 2" descr="A black and white grid with numbers&#10;&#10;AI-generated content may be incorrect.">
+            <a:extLst>
+              <a:ext uri="{FF2B5EF4-FFF2-40B4-BE49-F238E27FC236}">
+                <a16:creationId xmlns:a16="http://schemas.microsoft.com/office/drawing/2014/main" id="{C16AA41D-E62C-FA2E-7E66-39766A5D0FBF}"/>
+              </a:ext>
+            </a:extLst>
+          </p:cNvPr>
+          <p:cNvPicPr>
+            <a:picLocks noChangeAspect="1"/>
+          </p:cNvPicPr>
+          <p:nvPr/>
+        </p:nvPicPr>
+        <p:blipFill>
+          <a:blip r:embed="rId3">
+            <a:extLst>
+              <a:ext uri="{28A0092B-C50C-407E-A947-70E740481C1C}">
+                <a14:useLocalDpi xmlns:a14="http://schemas.microsoft.com/office/drawing/2010/main" val="0"/>
+              </a:ext>
+            </a:extLst>
+          </a:blip>
+          <a:stretch>
+            <a:fillRect/>
+          </a:stretch>
+        </p:blipFill>
+        <p:spPr>
+          <a:xfrm>
+            <a:off x="289824" y="1371600"/>
+            <a:ext cx="3816822" cy="3809994"/>
+          </a:xfrm>
+          <a:prstGeom prst="rect">
+            <a:avLst/>
+          </a:prstGeom>
+        </p:spPr>
+      </p:pic>
+      <p:cxnSp>
+        <p:nvCxnSpPr>
+          <p:cNvPr id="5" name="Straight Arrow Connector 4">
+            <a:extLst>
+              <a:ext uri="{FF2B5EF4-FFF2-40B4-BE49-F238E27FC236}">
+                <a16:creationId xmlns:a16="http://schemas.microsoft.com/office/drawing/2014/main" id="{FA8F6287-58EF-CCAD-C000-E5F86A25EACF}"/>
+              </a:ext>
+            </a:extLst>
+          </p:cNvPr>
+          <p:cNvCxnSpPr>
+            <a:cxnSpLocks/>
+          </p:cNvCxnSpPr>
+          <p:nvPr/>
+        </p:nvCxnSpPr>
+        <p:spPr>
+          <a:xfrm>
+            <a:off x="660400" y="1739900"/>
+            <a:ext cx="3848100" cy="0"/>
+          </a:xfrm>
+          <a:prstGeom prst="straightConnector1">
+            <a:avLst/>
+          </a:prstGeom>
+          <a:ln w="19050">
+            <a:solidFill>
+              <a:schemeClr val="tx1"/>
+            </a:solidFill>
+            <a:tailEnd type="triangle"/>
+          </a:ln>
+        </p:spPr>
+        <p:style>
+          <a:lnRef idx="1">
+            <a:schemeClr val="accent1"/>
+          </a:lnRef>
+          <a:fillRef idx="0">
+            <a:schemeClr val="accent1"/>
+          </a:fillRef>
+          <a:effectRef idx="0">
+            <a:schemeClr val="accent1"/>
+          </a:effectRef>
+          <a:fontRef idx="minor">
+            <a:schemeClr val="tx1"/>
+          </a:fontRef>
+        </p:style>
+      </p:cxnSp>
+      <p:pic>
+        <p:nvPicPr>
+          <p:cNvPr id="6" name="Picture 5">
+            <a:extLst>
+              <a:ext uri="{FF2B5EF4-FFF2-40B4-BE49-F238E27FC236}">
+                <a16:creationId xmlns:a16="http://schemas.microsoft.com/office/drawing/2014/main" id="{228AE5CE-917F-9CEB-BEDA-71BF382AF43D}"/>
+              </a:ext>
+            </a:extLst>
+          </p:cNvPr>
+          <p:cNvPicPr>
+            <a:picLocks noChangeAspect="1"/>
+          </p:cNvPicPr>
+          <p:nvPr/>
+        </p:nvPicPr>
+        <p:blipFill>
+          <a:blip r:embed="rId4"/>
+          <a:stretch>
+            <a:fillRect/>
+          </a:stretch>
+        </p:blipFill>
+        <p:spPr>
+          <a:xfrm>
+            <a:off x="4178300" y="1892300"/>
+            <a:ext cx="203200" cy="406400"/>
+          </a:xfrm>
+          <a:prstGeom prst="rect">
+            <a:avLst/>
+          </a:prstGeom>
+        </p:spPr>
+      </p:pic>
+      <p:cxnSp>
+        <p:nvCxnSpPr>
+          <p:cNvPr id="7" name="Straight Arrow Connector 6">
+            <a:extLst>
+              <a:ext uri="{FF2B5EF4-FFF2-40B4-BE49-F238E27FC236}">
+                <a16:creationId xmlns:a16="http://schemas.microsoft.com/office/drawing/2014/main" id="{D54754AC-3417-01D9-782F-33DD97FEC50B}"/>
+              </a:ext>
+            </a:extLst>
+          </p:cNvPr>
+          <p:cNvCxnSpPr>
+            <a:cxnSpLocks/>
+          </p:cNvCxnSpPr>
+          <p:nvPr/>
+        </p:nvCxnSpPr>
+        <p:spPr>
+          <a:xfrm>
+            <a:off x="673100" y="1816100"/>
+            <a:ext cx="0" cy="3733800"/>
+          </a:xfrm>
+          <a:prstGeom prst="straightConnector1">
+            <a:avLst/>
+          </a:prstGeom>
+          <a:ln w="19050">
+            <a:solidFill>
+              <a:schemeClr val="tx1"/>
+            </a:solidFill>
+            <a:tailEnd type="triangle"/>
+          </a:ln>
+        </p:spPr>
+        <p:style>
+          <a:lnRef idx="1">
+            <a:schemeClr val="accent1"/>
+          </a:lnRef>
+          <a:fillRef idx="0">
+            <a:schemeClr val="accent1"/>
+          </a:fillRef>
+          <a:effectRef idx="0">
+            <a:schemeClr val="accent1"/>
+          </a:effectRef>
+          <a:fontRef idx="minor">
+            <a:schemeClr val="tx1"/>
+          </a:fontRef>
+        </p:style>
+      </p:cxnSp>
+      <p:pic>
+        <p:nvPicPr>
+          <p:cNvPr id="15" name="Picture 14">
+            <a:extLst>
+              <a:ext uri="{FF2B5EF4-FFF2-40B4-BE49-F238E27FC236}">
+                <a16:creationId xmlns:a16="http://schemas.microsoft.com/office/drawing/2014/main" id="{EC54860B-515E-B946-36AD-6538851B1B68}"/>
+              </a:ext>
+            </a:extLst>
+          </p:cNvPr>
+          <p:cNvPicPr>
+            <a:picLocks noChangeAspect="1"/>
+          </p:cNvPicPr>
+          <p:nvPr/>
+        </p:nvPicPr>
+        <p:blipFill>
+          <a:blip r:embed="rId5"/>
+          <a:stretch>
+            <a:fillRect/>
+          </a:stretch>
+        </p:blipFill>
+        <p:spPr>
+          <a:xfrm>
+            <a:off x="590550" y="5638800"/>
+            <a:ext cx="139700" cy="330200"/>
+          </a:xfrm>
+          <a:prstGeom prst="rect">
+            <a:avLst/>
+          </a:prstGeom>
+        </p:spPr>
+      </p:pic>
+      <p:sp>
+        <p:nvSpPr>
+          <p:cNvPr id="16" name="TextBox 15">
+            <a:extLst>
+              <a:ext uri="{FF2B5EF4-FFF2-40B4-BE49-F238E27FC236}">
+                <a16:creationId xmlns:a16="http://schemas.microsoft.com/office/drawing/2014/main" id="{4B66E4A5-3FFD-FDD3-8305-DFBED3C02E65}"/>
+              </a:ext>
+            </a:extLst>
+          </p:cNvPr>
+          <p:cNvSpPr txBox="1"/>
+          <p:nvPr/>
+        </p:nvSpPr>
+        <p:spPr>
+          <a:xfrm>
+            <a:off x="5189177" y="1300192"/>
+            <a:ext cx="2683748" cy="646331"/>
+          </a:xfrm>
+          <a:prstGeom prst="rect">
+            <a:avLst/>
+          </a:prstGeom>
+          <a:noFill/>
+        </p:spPr>
+        <p:txBody>
+          <a:bodyPr wrap="none" rtlCol="0">
+            <a:spAutoFit/>
+          </a:bodyPr>
+          <a:lstStyle/>
+          <a:p>
+            <a:r>
+              <a:rPr lang="en-US" sz="3600" b="1" dirty="0">
+                <a:latin typeface="Trebuchet MS"/>
+                <a:cs typeface="Trebuchet MS"/>
+              </a:rPr>
+              <a:t>In region R:</a:t>
+            </a:r>
+          </a:p>
+        </p:txBody>
+      </p:sp>
+      <p:pic>
+        <p:nvPicPr>
+          <p:cNvPr id="2" name="Picture 1">
+            <a:extLst>
+              <a:ext uri="{FF2B5EF4-FFF2-40B4-BE49-F238E27FC236}">
+                <a16:creationId xmlns:a16="http://schemas.microsoft.com/office/drawing/2014/main" id="{7D7EE784-5C94-8C0E-7DD5-120E84C62E7E}"/>
+              </a:ext>
+            </a:extLst>
+          </p:cNvPr>
+          <p:cNvPicPr>
+            <a:picLocks noChangeAspect="1"/>
+          </p:cNvPicPr>
+          <p:nvPr/>
+        </p:nvPicPr>
+        <p:blipFill>
+          <a:blip r:embed="rId6"/>
+          <a:stretch>
+            <a:fillRect/>
+          </a:stretch>
+        </p:blipFill>
+        <p:spPr>
+          <a:xfrm>
+            <a:off x="5321300" y="2003673"/>
+            <a:ext cx="3060700" cy="325419"/>
+          </a:xfrm>
+          <a:prstGeom prst="rect">
+            <a:avLst/>
+          </a:prstGeom>
+        </p:spPr>
+      </p:pic>
+      <p:pic>
+        <p:nvPicPr>
+          <p:cNvPr id="4" name="Picture 3">
+            <a:extLst>
+              <a:ext uri="{FF2B5EF4-FFF2-40B4-BE49-F238E27FC236}">
+                <a16:creationId xmlns:a16="http://schemas.microsoft.com/office/drawing/2014/main" id="{A311A04A-8B80-A988-CC56-A9FA558DF17B}"/>
+              </a:ext>
+            </a:extLst>
+          </p:cNvPr>
+          <p:cNvPicPr>
+            <a:picLocks noChangeAspect="1"/>
+          </p:cNvPicPr>
+          <p:nvPr/>
+        </p:nvPicPr>
+        <p:blipFill>
+          <a:blip r:embed="rId7"/>
+          <a:stretch>
+            <a:fillRect/>
+          </a:stretch>
+        </p:blipFill>
+        <p:spPr>
+          <a:xfrm>
+            <a:off x="5283200" y="2457450"/>
+            <a:ext cx="3060700" cy="319904"/>
+          </a:xfrm>
+          <a:prstGeom prst="rect">
+            <a:avLst/>
+          </a:prstGeom>
+        </p:spPr>
+      </p:pic>
+      <p:pic>
+        <p:nvPicPr>
+          <p:cNvPr id="9" name="Picture 8">
+            <a:extLst>
+              <a:ext uri="{FF2B5EF4-FFF2-40B4-BE49-F238E27FC236}">
+                <a16:creationId xmlns:a16="http://schemas.microsoft.com/office/drawing/2014/main" id="{316E6F13-4C07-B5B2-6765-E5A257ABD7F1}"/>
+              </a:ext>
+            </a:extLst>
+          </p:cNvPr>
+          <p:cNvPicPr>
+            <a:picLocks noChangeAspect="1"/>
+          </p:cNvPicPr>
+          <p:nvPr/>
+        </p:nvPicPr>
+        <p:blipFill>
+          <a:blip r:embed="rId8"/>
+          <a:stretch>
+            <a:fillRect/>
+          </a:stretch>
+        </p:blipFill>
+        <p:spPr>
+          <a:xfrm>
+            <a:off x="5189177" y="3946276"/>
+            <a:ext cx="2683748" cy="675380"/>
+          </a:xfrm>
+          <a:prstGeom prst="rect">
+            <a:avLst/>
+          </a:prstGeom>
+        </p:spPr>
+      </p:pic>
+      <p:pic>
+        <p:nvPicPr>
+          <p:cNvPr id="10" name="Picture 9">
+            <a:extLst>
+              <a:ext uri="{FF2B5EF4-FFF2-40B4-BE49-F238E27FC236}">
+                <a16:creationId xmlns:a16="http://schemas.microsoft.com/office/drawing/2014/main" id="{28141F29-3BF3-0A17-DF78-A04A644B669D}"/>
+              </a:ext>
+            </a:extLst>
+          </p:cNvPr>
+          <p:cNvPicPr>
+            <a:picLocks noChangeAspect="1"/>
+          </p:cNvPicPr>
+          <p:nvPr/>
+        </p:nvPicPr>
+        <p:blipFill>
+          <a:blip r:embed="rId9"/>
+          <a:stretch>
+            <a:fillRect/>
+          </a:stretch>
+        </p:blipFill>
+        <p:spPr>
+          <a:xfrm>
+            <a:off x="5189177" y="4641295"/>
+            <a:ext cx="2683747" cy="675380"/>
+          </a:xfrm>
+          <a:prstGeom prst="rect">
+            <a:avLst/>
+          </a:prstGeom>
+        </p:spPr>
+      </p:pic>
+      <p:pic>
+        <p:nvPicPr>
+          <p:cNvPr id="12" name="Picture 11">
+            <a:extLst>
+              <a:ext uri="{FF2B5EF4-FFF2-40B4-BE49-F238E27FC236}">
+                <a16:creationId xmlns:a16="http://schemas.microsoft.com/office/drawing/2014/main" id="{38501ECA-A5D5-1725-E7C4-35385F682CAD}"/>
+              </a:ext>
+            </a:extLst>
+          </p:cNvPr>
+          <p:cNvPicPr>
+            <a:picLocks noChangeAspect="1"/>
+          </p:cNvPicPr>
+          <p:nvPr/>
+        </p:nvPicPr>
+        <p:blipFill>
+          <a:blip r:embed="rId10"/>
+          <a:stretch>
+            <a:fillRect/>
+          </a:stretch>
+        </p:blipFill>
+        <p:spPr>
+          <a:xfrm>
+            <a:off x="5244094" y="5638800"/>
+            <a:ext cx="3586819" cy="319905"/>
+          </a:xfrm>
+          <a:prstGeom prst="rect">
+            <a:avLst/>
+          </a:prstGeom>
+        </p:spPr>
+      </p:pic>
+    </p:spTree>
+    <p:extLst>
+      <p:ext uri="{BB962C8B-B14F-4D97-AF65-F5344CB8AC3E}">
+        <p14:creationId xmlns:p14="http://schemas.microsoft.com/office/powerpoint/2010/main" val="1050025572"/>
+      </p:ext>
+    </p:extLst>
+  </p:cSld>
+  <p:clrMapOvr>
+    <a:masterClrMapping/>
+  </p:clrMapOvr>
+</p:sld>
+</file>
+
+<file path=ppt/slides/slide12.xml><?xml version="1.0" encoding="utf-8"?>
+<p:sld xmlns:a="http://schemas.openxmlformats.org/drawingml/2006/main" xmlns:r="http://schemas.openxmlformats.org/officeDocument/2006/relationships" xmlns:p="http://schemas.openxmlformats.org/presentationml/2006/main">
+  <p:cSld>
+    <p:spTree>
+      <p:nvGrpSpPr>
+        <p:cNvPr id="1" name=""/>
+        <p:cNvGrpSpPr/>
+        <p:nvPr/>
+      </p:nvGrpSpPr>
+      <p:grpSpPr>
+        <a:xfrm>
+          <a:off x="0" y="0"/>
+          <a:ext cx="0" cy="0"/>
+          <a:chOff x="0" y="0"/>
+          <a:chExt cx="0" cy="0"/>
+        </a:xfrm>
+      </p:grpSpPr>
+      <p:sp>
+        <p:nvSpPr>
+          <p:cNvPr id="11" name="TextBox 10"/>
+          <p:cNvSpPr txBox="1"/>
+          <p:nvPr/>
+        </p:nvSpPr>
+        <p:spPr>
+          <a:xfrm>
+            <a:off x="482600" y="330200"/>
+            <a:ext cx="3142432" cy="646331"/>
+          </a:xfrm>
+          <a:prstGeom prst="rect">
+            <a:avLst/>
+          </a:prstGeom>
+          <a:noFill/>
+        </p:spPr>
+        <p:txBody>
+          <a:bodyPr wrap="none" rtlCol="0">
+            <a:spAutoFit/>
+          </a:bodyPr>
+          <a:lstStyle/>
+          <a:p>
+            <a:r>
+              <a:rPr lang="en-US" sz="3600" b="1" dirty="0">
+                <a:latin typeface="Trebuchet MS"/>
+                <a:cs typeface="Trebuchet MS"/>
+              </a:rPr>
+              <a:t>Hu - Moments</a:t>
+            </a:r>
+          </a:p>
+        </p:txBody>
+      </p:sp>
+      <p:sp>
+        <p:nvSpPr>
+          <p:cNvPr id="2" name="Freeform 1"/>
+          <p:cNvSpPr/>
+          <p:nvPr/>
+        </p:nvSpPr>
+        <p:spPr>
+          <a:xfrm>
+            <a:off x="438751" y="2296087"/>
+            <a:ext cx="3781113" cy="3119469"/>
+          </a:xfrm>
+          <a:custGeom>
+            <a:avLst/>
+            <a:gdLst>
+              <a:gd name="connsiteX0" fmla="*/ 1655551 w 3781113"/>
+              <a:gd name="connsiteY0" fmla="*/ 649088 h 3119469"/>
+              <a:gd name="connsiteX1" fmla="*/ 1912272 w 3781113"/>
+              <a:gd name="connsiteY1" fmla="*/ 609 h 3119469"/>
+              <a:gd name="connsiteX2" fmla="*/ 2912133 w 3781113"/>
+              <a:gd name="connsiteY2" fmla="*/ 770678 h 3119469"/>
+              <a:gd name="connsiteX3" fmla="*/ 2060900 w 3781113"/>
+              <a:gd name="connsiteY3" fmla="*/ 1756906 h 3119469"/>
+              <a:gd name="connsiteX4" fmla="*/ 3776878 w 3781113"/>
+              <a:gd name="connsiteY4" fmla="*/ 2675584 h 3119469"/>
+              <a:gd name="connsiteX5" fmla="*/ 1466388 w 3781113"/>
+              <a:gd name="connsiteY5" fmla="*/ 3107903 h 3119469"/>
+              <a:gd name="connsiteX6" fmla="*/ 1777156 w 3781113"/>
+              <a:gd name="connsiteY6" fmla="*/ 2243265 h 3119469"/>
+              <a:gd name="connsiteX7" fmla="*/ 34155 w 3781113"/>
+              <a:gd name="connsiteY7" fmla="*/ 2013595 h 3119469"/>
+              <a:gd name="connsiteX8" fmla="*/ 709737 w 3781113"/>
+              <a:gd name="connsiteY8" fmla="*/ 1135447 h 3119469"/>
+              <a:gd name="connsiteX9" fmla="*/ 1790668 w 3781113"/>
+              <a:gd name="connsiteY9" fmla="*/ 1067897 h 3119469"/>
+              <a:gd name="connsiteX10" fmla="*/ 1655551 w 3781113"/>
+              <a:gd name="connsiteY10" fmla="*/ 649088 h 3119469"/>
+            </a:gdLst>
+            <a:ahLst/>
+            <a:cxnLst>
+              <a:cxn ang="0">
+                <a:pos x="connsiteX0" y="connsiteY0"/>
+              </a:cxn>
+              <a:cxn ang="0">
+                <a:pos x="connsiteX1" y="connsiteY1"/>
+              </a:cxn>
+              <a:cxn ang="0">
+                <a:pos x="connsiteX2" y="connsiteY2"/>
+              </a:cxn>
+              <a:cxn ang="0">
+                <a:pos x="connsiteX3" y="connsiteY3"/>
+              </a:cxn>
+              <a:cxn ang="0">
+                <a:pos x="connsiteX4" y="connsiteY4"/>
+              </a:cxn>
+              <a:cxn ang="0">
+                <a:pos x="connsiteX5" y="connsiteY5"/>
+              </a:cxn>
+              <a:cxn ang="0">
+                <a:pos x="connsiteX6" y="connsiteY6"/>
+              </a:cxn>
+              <a:cxn ang="0">
+                <a:pos x="connsiteX7" y="connsiteY7"/>
+              </a:cxn>
+              <a:cxn ang="0">
+                <a:pos x="connsiteX8" y="connsiteY8"/>
+              </a:cxn>
+              <a:cxn ang="0">
+                <a:pos x="connsiteX9" y="connsiteY9"/>
+              </a:cxn>
+              <a:cxn ang="0">
+                <a:pos x="connsiteX10" y="connsiteY10"/>
+              </a:cxn>
+            </a:cxnLst>
+            <a:rect l="l" t="t" r="r" b="b"/>
+            <a:pathLst>
+              <a:path w="3781113" h="3119469">
+                <a:moveTo>
+                  <a:pt x="1655551" y="649088"/>
+                </a:moveTo>
+                <a:cubicBezTo>
+                  <a:pt x="1675818" y="471207"/>
+                  <a:pt x="1702842" y="-19656"/>
+                  <a:pt x="1912272" y="609"/>
+                </a:cubicBezTo>
+                <a:cubicBezTo>
+                  <a:pt x="2121702" y="20874"/>
+                  <a:pt x="2887362" y="477962"/>
+                  <a:pt x="2912133" y="770678"/>
+                </a:cubicBezTo>
+                <a:cubicBezTo>
+                  <a:pt x="2936904" y="1063394"/>
+                  <a:pt x="1916776" y="1439422"/>
+                  <a:pt x="2060900" y="1756906"/>
+                </a:cubicBezTo>
+                <a:cubicBezTo>
+                  <a:pt x="2205024" y="2074390"/>
+                  <a:pt x="3875963" y="2450418"/>
+                  <a:pt x="3776878" y="2675584"/>
+                </a:cubicBezTo>
+                <a:cubicBezTo>
+                  <a:pt x="3677793" y="2900750"/>
+                  <a:pt x="1799675" y="3179956"/>
+                  <a:pt x="1466388" y="3107903"/>
+                </a:cubicBezTo>
+                <a:cubicBezTo>
+                  <a:pt x="1133101" y="3035850"/>
+                  <a:pt x="2015861" y="2425650"/>
+                  <a:pt x="1777156" y="2243265"/>
+                </a:cubicBezTo>
+                <a:cubicBezTo>
+                  <a:pt x="1538451" y="2060880"/>
+                  <a:pt x="212058" y="2198231"/>
+                  <a:pt x="34155" y="2013595"/>
+                </a:cubicBezTo>
+                <a:cubicBezTo>
+                  <a:pt x="-143748" y="1828959"/>
+                  <a:pt x="416985" y="1293063"/>
+                  <a:pt x="709737" y="1135447"/>
+                </a:cubicBezTo>
+                <a:cubicBezTo>
+                  <a:pt x="1002489" y="977831"/>
+                  <a:pt x="1633032" y="1151209"/>
+                  <a:pt x="1790668" y="1067897"/>
+                </a:cubicBezTo>
+                <a:cubicBezTo>
+                  <a:pt x="1948304" y="984586"/>
+                  <a:pt x="1635284" y="826969"/>
+                  <a:pt x="1655551" y="649088"/>
+                </a:cubicBezTo>
+                <a:close/>
+              </a:path>
+            </a:pathLst>
+          </a:custGeom>
+          <a:solidFill>
+            <a:schemeClr val="tx1"/>
+          </a:solidFill>
+          <a:ln>
+            <a:noFill/>
+          </a:ln>
+          <a:effectLst/>
+        </p:spPr>
+        <p:style>
+          <a:lnRef idx="1">
+            <a:schemeClr val="accent1"/>
+          </a:lnRef>
+          <a:fillRef idx="3">
+            <a:schemeClr val="accent1"/>
+          </a:fillRef>
+          <a:effectRef idx="2">
+            <a:schemeClr val="accent1"/>
+          </a:effectRef>
+          <a:fontRef idx="minor">
+            <a:schemeClr val="lt1"/>
+          </a:fontRef>
+        </p:style>
+        <p:txBody>
+          <a:bodyPr rtlCol="0" anchor="ctr"/>
+          <a:lstStyle/>
+          <a:p>
+            <a:pPr algn="ctr"/>
+            <a:endParaRPr lang="en-US"/>
+          </a:p>
+        </p:txBody>
+      </p:sp>
+      <p:sp>
+        <p:nvSpPr>
+          <p:cNvPr id="8" name="Freeform 7"/>
+          <p:cNvSpPr/>
+          <p:nvPr/>
+        </p:nvSpPr>
+        <p:spPr>
+          <a:xfrm>
+            <a:off x="4279818" y="3151004"/>
+            <a:ext cx="1759874" cy="1645036"/>
+          </a:xfrm>
+          <a:custGeom>
+            <a:avLst/>
+            <a:gdLst>
+              <a:gd name="connsiteX0" fmla="*/ 1655551 w 3781113"/>
+              <a:gd name="connsiteY0" fmla="*/ 649088 h 3119469"/>
+              <a:gd name="connsiteX1" fmla="*/ 1912272 w 3781113"/>
+              <a:gd name="connsiteY1" fmla="*/ 609 h 3119469"/>
+              <a:gd name="connsiteX2" fmla="*/ 2912133 w 3781113"/>
+              <a:gd name="connsiteY2" fmla="*/ 770678 h 3119469"/>
+              <a:gd name="connsiteX3" fmla="*/ 2060900 w 3781113"/>
+              <a:gd name="connsiteY3" fmla="*/ 1756906 h 3119469"/>
+              <a:gd name="connsiteX4" fmla="*/ 3776878 w 3781113"/>
+              <a:gd name="connsiteY4" fmla="*/ 2675584 h 3119469"/>
+              <a:gd name="connsiteX5" fmla="*/ 1466388 w 3781113"/>
+              <a:gd name="connsiteY5" fmla="*/ 3107903 h 3119469"/>
+              <a:gd name="connsiteX6" fmla="*/ 1777156 w 3781113"/>
+              <a:gd name="connsiteY6" fmla="*/ 2243265 h 3119469"/>
+              <a:gd name="connsiteX7" fmla="*/ 34155 w 3781113"/>
+              <a:gd name="connsiteY7" fmla="*/ 2013595 h 3119469"/>
+              <a:gd name="connsiteX8" fmla="*/ 709737 w 3781113"/>
+              <a:gd name="connsiteY8" fmla="*/ 1135447 h 3119469"/>
+              <a:gd name="connsiteX9" fmla="*/ 1790668 w 3781113"/>
+              <a:gd name="connsiteY9" fmla="*/ 1067897 h 3119469"/>
+              <a:gd name="connsiteX10" fmla="*/ 1655551 w 3781113"/>
+              <a:gd name="connsiteY10" fmla="*/ 649088 h 3119469"/>
+            </a:gdLst>
+            <a:ahLst/>
+            <a:cxnLst>
+              <a:cxn ang="0">
+                <a:pos x="connsiteX0" y="connsiteY0"/>
+              </a:cxn>
+              <a:cxn ang="0">
+                <a:pos x="connsiteX1" y="connsiteY1"/>
+              </a:cxn>
+              <a:cxn ang="0">
+                <a:pos x="connsiteX2" y="connsiteY2"/>
+              </a:cxn>
+              <a:cxn ang="0">
+                <a:pos x="connsiteX3" y="connsiteY3"/>
+              </a:cxn>
+              <a:cxn ang="0">
+                <a:pos x="connsiteX4" y="connsiteY4"/>
+              </a:cxn>
+              <a:cxn ang="0">
+                <a:pos x="connsiteX5" y="connsiteY5"/>
+              </a:cxn>
+              <a:cxn ang="0">
+                <a:pos x="connsiteX6" y="connsiteY6"/>
+              </a:cxn>
+              <a:cxn ang="0">
+                <a:pos x="connsiteX7" y="connsiteY7"/>
+              </a:cxn>
+              <a:cxn ang="0">
+                <a:pos x="connsiteX8" y="connsiteY8"/>
+              </a:cxn>
+              <a:cxn ang="0">
+                <a:pos x="connsiteX9" y="connsiteY9"/>
+              </a:cxn>
+              <a:cxn ang="0">
+                <a:pos x="connsiteX10" y="connsiteY10"/>
+              </a:cxn>
+            </a:cxnLst>
+            <a:rect l="l" t="t" r="r" b="b"/>
+            <a:pathLst>
+              <a:path w="3781113" h="3119469">
+                <a:moveTo>
+                  <a:pt x="1655551" y="649088"/>
+                </a:moveTo>
+                <a:cubicBezTo>
+                  <a:pt x="1675818" y="471207"/>
+                  <a:pt x="1702842" y="-19656"/>
+                  <a:pt x="1912272" y="609"/>
+                </a:cubicBezTo>
+                <a:cubicBezTo>
+                  <a:pt x="2121702" y="20874"/>
+                  <a:pt x="2887362" y="477962"/>
+                  <a:pt x="2912133" y="770678"/>
+                </a:cubicBezTo>
+                <a:cubicBezTo>
+                  <a:pt x="2936904" y="1063394"/>
+                  <a:pt x="1916776" y="1439422"/>
+                  <a:pt x="2060900" y="1756906"/>
+                </a:cubicBezTo>
+                <a:cubicBezTo>
+                  <a:pt x="2205024" y="2074390"/>
+                  <a:pt x="3875963" y="2450418"/>
+                  <a:pt x="3776878" y="2675584"/>
+                </a:cubicBezTo>
+                <a:cubicBezTo>
+                  <a:pt x="3677793" y="2900750"/>
+                  <a:pt x="1799675" y="3179956"/>
+                  <a:pt x="1466388" y="3107903"/>
+                </a:cubicBezTo>
+                <a:cubicBezTo>
+                  <a:pt x="1133101" y="3035850"/>
+                  <a:pt x="2015861" y="2425650"/>
+                  <a:pt x="1777156" y="2243265"/>
+                </a:cubicBezTo>
+                <a:cubicBezTo>
+                  <a:pt x="1538451" y="2060880"/>
+                  <a:pt x="212058" y="2198231"/>
+                  <a:pt x="34155" y="2013595"/>
+                </a:cubicBezTo>
+                <a:cubicBezTo>
+                  <a:pt x="-143748" y="1828959"/>
+                  <a:pt x="416985" y="1293063"/>
+                  <a:pt x="709737" y="1135447"/>
+                </a:cubicBezTo>
+                <a:cubicBezTo>
+                  <a:pt x="1002489" y="977831"/>
+                  <a:pt x="1633032" y="1151209"/>
+                  <a:pt x="1790668" y="1067897"/>
+                </a:cubicBezTo>
+                <a:cubicBezTo>
+                  <a:pt x="1948304" y="984586"/>
+                  <a:pt x="1635284" y="826969"/>
+                  <a:pt x="1655551" y="649088"/>
+                </a:cubicBezTo>
+                <a:close/>
+              </a:path>
+            </a:pathLst>
+          </a:custGeom>
+          <a:solidFill>
+            <a:schemeClr val="tx1"/>
+          </a:solidFill>
+          <a:ln>
+            <a:noFill/>
+          </a:ln>
+          <a:effectLst/>
+        </p:spPr>
+        <p:style>
+          <a:lnRef idx="1">
+            <a:schemeClr val="accent1"/>
+          </a:lnRef>
+          <a:fillRef idx="3">
+            <a:schemeClr val="accent1"/>
+          </a:fillRef>
+          <a:effectRef idx="2">
+            <a:schemeClr val="accent1"/>
+          </a:effectRef>
+          <a:fontRef idx="minor">
+            <a:schemeClr val="lt1"/>
+          </a:fontRef>
+        </p:style>
+        <p:txBody>
+          <a:bodyPr rtlCol="0" anchor="ctr"/>
+          <a:lstStyle/>
+          <a:p>
+            <a:pPr algn="ctr"/>
+            <a:endParaRPr lang="en-US"/>
+          </a:p>
+        </p:txBody>
+      </p:sp>
+      <p:sp>
+        <p:nvSpPr>
+          <p:cNvPr id="9" name="Freeform 8"/>
+          <p:cNvSpPr/>
+          <p:nvPr/>
+        </p:nvSpPr>
+        <p:spPr>
+          <a:xfrm rot="1647861">
+            <a:off x="6833994" y="2780065"/>
+            <a:ext cx="2196266" cy="2333650"/>
+          </a:xfrm>
+          <a:custGeom>
+            <a:avLst/>
+            <a:gdLst>
+              <a:gd name="connsiteX0" fmla="*/ 1655551 w 3781113"/>
+              <a:gd name="connsiteY0" fmla="*/ 649088 h 3119469"/>
+              <a:gd name="connsiteX1" fmla="*/ 1912272 w 3781113"/>
+              <a:gd name="connsiteY1" fmla="*/ 609 h 3119469"/>
+              <a:gd name="connsiteX2" fmla="*/ 2912133 w 3781113"/>
+              <a:gd name="connsiteY2" fmla="*/ 770678 h 3119469"/>
+              <a:gd name="connsiteX3" fmla="*/ 2060900 w 3781113"/>
+              <a:gd name="connsiteY3" fmla="*/ 1756906 h 3119469"/>
+              <a:gd name="connsiteX4" fmla="*/ 3776878 w 3781113"/>
+              <a:gd name="connsiteY4" fmla="*/ 2675584 h 3119469"/>
+              <a:gd name="connsiteX5" fmla="*/ 1466388 w 3781113"/>
+              <a:gd name="connsiteY5" fmla="*/ 3107903 h 3119469"/>
+              <a:gd name="connsiteX6" fmla="*/ 1777156 w 3781113"/>
+              <a:gd name="connsiteY6" fmla="*/ 2243265 h 3119469"/>
+              <a:gd name="connsiteX7" fmla="*/ 34155 w 3781113"/>
+              <a:gd name="connsiteY7" fmla="*/ 2013595 h 3119469"/>
+              <a:gd name="connsiteX8" fmla="*/ 709737 w 3781113"/>
+              <a:gd name="connsiteY8" fmla="*/ 1135447 h 3119469"/>
+              <a:gd name="connsiteX9" fmla="*/ 1790668 w 3781113"/>
+              <a:gd name="connsiteY9" fmla="*/ 1067897 h 3119469"/>
+              <a:gd name="connsiteX10" fmla="*/ 1655551 w 3781113"/>
+              <a:gd name="connsiteY10" fmla="*/ 649088 h 3119469"/>
+            </a:gdLst>
+            <a:ahLst/>
+            <a:cxnLst>
+              <a:cxn ang="0">
+                <a:pos x="connsiteX0" y="connsiteY0"/>
+              </a:cxn>
+              <a:cxn ang="0">
+                <a:pos x="connsiteX1" y="connsiteY1"/>
+              </a:cxn>
+              <a:cxn ang="0">
+                <a:pos x="connsiteX2" y="connsiteY2"/>
+              </a:cxn>
+              <a:cxn ang="0">
+                <a:pos x="connsiteX3" y="connsiteY3"/>
+              </a:cxn>
+              <a:cxn ang="0">
+                <a:pos x="connsiteX4" y="connsiteY4"/>
+              </a:cxn>
+              <a:cxn ang="0">
+                <a:pos x="connsiteX5" y="connsiteY5"/>
+              </a:cxn>
+              <a:cxn ang="0">
+                <a:pos x="connsiteX6" y="connsiteY6"/>
+              </a:cxn>
+              <a:cxn ang="0">
+                <a:pos x="connsiteX7" y="connsiteY7"/>
+              </a:cxn>
+              <a:cxn ang="0">
+                <a:pos x="connsiteX8" y="connsiteY8"/>
+              </a:cxn>
+              <a:cxn ang="0">
+                <a:pos x="connsiteX9" y="connsiteY9"/>
+              </a:cxn>
+              <a:cxn ang="0">
+                <a:pos x="connsiteX10" y="connsiteY10"/>
+              </a:cxn>
+            </a:cxnLst>
+            <a:rect l="l" t="t" r="r" b="b"/>
+            <a:pathLst>
+              <a:path w="3781113" h="3119469">
+                <a:moveTo>
+                  <a:pt x="1655551" y="649088"/>
+                </a:moveTo>
+                <a:cubicBezTo>
+                  <a:pt x="1675818" y="471207"/>
+                  <a:pt x="1702842" y="-19656"/>
+                  <a:pt x="1912272" y="609"/>
+                </a:cubicBezTo>
+                <a:cubicBezTo>
+                  <a:pt x="2121702" y="20874"/>
+                  <a:pt x="2887362" y="477962"/>
+                  <a:pt x="2912133" y="770678"/>
+                </a:cubicBezTo>
+                <a:cubicBezTo>
+                  <a:pt x="2936904" y="1063394"/>
+                  <a:pt x="1916776" y="1439422"/>
+                  <a:pt x="2060900" y="1756906"/>
+                </a:cubicBezTo>
+                <a:cubicBezTo>
+                  <a:pt x="2205024" y="2074390"/>
+                  <a:pt x="3875963" y="2450418"/>
+                  <a:pt x="3776878" y="2675584"/>
+                </a:cubicBezTo>
+                <a:cubicBezTo>
+                  <a:pt x="3677793" y="2900750"/>
+                  <a:pt x="1799675" y="3179956"/>
+                  <a:pt x="1466388" y="3107903"/>
+                </a:cubicBezTo>
+                <a:cubicBezTo>
+                  <a:pt x="1133101" y="3035850"/>
+                  <a:pt x="2015861" y="2425650"/>
+                  <a:pt x="1777156" y="2243265"/>
+                </a:cubicBezTo>
+                <a:cubicBezTo>
+                  <a:pt x="1538451" y="2060880"/>
+                  <a:pt x="212058" y="2198231"/>
+                  <a:pt x="34155" y="2013595"/>
+                </a:cubicBezTo>
+                <a:cubicBezTo>
+                  <a:pt x="-143748" y="1828959"/>
+                  <a:pt x="416985" y="1293063"/>
+                  <a:pt x="709737" y="1135447"/>
+                </a:cubicBezTo>
+                <a:cubicBezTo>
+                  <a:pt x="1002489" y="977831"/>
+                  <a:pt x="1633032" y="1151209"/>
+                  <a:pt x="1790668" y="1067897"/>
+                </a:cubicBezTo>
+                <a:cubicBezTo>
+                  <a:pt x="1948304" y="984586"/>
+                  <a:pt x="1635284" y="826969"/>
+                  <a:pt x="1655551" y="649088"/>
+                </a:cubicBezTo>
+                <a:close/>
+              </a:path>
+            </a:pathLst>
+          </a:custGeom>
+          <a:solidFill>
+            <a:schemeClr val="tx1"/>
+          </a:solidFill>
+          <a:ln>
+            <a:noFill/>
+          </a:ln>
+          <a:effectLst/>
+        </p:spPr>
+        <p:style>
+          <a:lnRef idx="1">
+            <a:schemeClr val="accent1"/>
+          </a:lnRef>
+          <a:fillRef idx="3">
+            <a:schemeClr val="accent1"/>
+          </a:fillRef>
+          <a:effectRef idx="2">
+            <a:schemeClr val="accent1"/>
+          </a:effectRef>
+          <a:fontRef idx="minor">
+            <a:schemeClr val="lt1"/>
+          </a:fontRef>
+        </p:style>
+        <p:txBody>
+          <a:bodyPr rtlCol="0" anchor="ctr"/>
+          <a:lstStyle/>
+          <a:p>
+            <a:pPr algn="ctr"/>
+            <a:endParaRPr lang="en-US"/>
+          </a:p>
+        </p:txBody>
+      </p:sp>
+      <p:sp>
+        <p:nvSpPr>
+          <p:cNvPr id="12" name="TextBox 11"/>
+          <p:cNvSpPr txBox="1"/>
+          <p:nvPr/>
+        </p:nvSpPr>
+        <p:spPr>
+          <a:xfrm>
+            <a:off x="2275026" y="5649785"/>
+            <a:ext cx="4736693" cy="830997"/>
+          </a:xfrm>
+          <a:prstGeom prst="rect">
+            <a:avLst/>
+          </a:prstGeom>
+          <a:solidFill>
+            <a:srgbClr val="FFFFFF"/>
+          </a:solidFill>
+        </p:spPr>
+        <p:txBody>
+          <a:bodyPr wrap="none" rtlCol="0">
+            <a:spAutoFit/>
+          </a:bodyPr>
+          <a:lstStyle/>
+          <a:p>
+            <a:endParaRPr lang="en-US" sz="2400" dirty="0">
+              <a:latin typeface="Trebuchet MS"/>
+              <a:cs typeface="Trebuchet MS"/>
+            </a:endParaRPr>
+          </a:p>
+          <a:p>
+            <a:r>
+              <a:rPr lang="en-US" sz="2400" dirty="0">
+                <a:latin typeface="Trebuchet MS"/>
+                <a:cs typeface="Trebuchet MS"/>
+              </a:rPr>
+              <a:t>They have similar Φ</a:t>
+            </a:r>
+            <a:r>
+              <a:rPr lang="en-US" sz="2400" baseline="-25000" dirty="0">
+                <a:latin typeface="Trebuchet MS"/>
+                <a:cs typeface="Trebuchet MS"/>
+              </a:rPr>
+              <a:t>1</a:t>
+            </a:r>
+            <a:r>
+              <a:rPr lang="en-US" sz="2400" dirty="0">
+                <a:latin typeface="Trebuchet MS"/>
+                <a:cs typeface="Trebuchet MS"/>
+              </a:rPr>
+              <a:t>, Φ</a:t>
+            </a:r>
+            <a:r>
+              <a:rPr lang="en-US" sz="2400" baseline="-25000" dirty="0">
+                <a:latin typeface="Trebuchet MS"/>
+                <a:cs typeface="Trebuchet MS"/>
+              </a:rPr>
+              <a:t>2</a:t>
+            </a:r>
+            <a:r>
+              <a:rPr lang="en-US" sz="2400" dirty="0">
+                <a:latin typeface="Trebuchet MS"/>
+                <a:cs typeface="Trebuchet MS"/>
+              </a:rPr>
+              <a:t>, … Φ</a:t>
+            </a:r>
+            <a:r>
+              <a:rPr lang="en-US" sz="2400" baseline="-25000" dirty="0">
+                <a:latin typeface="Trebuchet MS"/>
+                <a:cs typeface="Trebuchet MS"/>
+              </a:rPr>
+              <a:t>7</a:t>
+            </a:r>
+            <a:r>
+              <a:rPr lang="en-US" sz="2400" dirty="0">
+                <a:latin typeface="Trebuchet MS"/>
+                <a:cs typeface="Trebuchet MS"/>
+              </a:rPr>
+              <a:t>. </a:t>
+            </a:r>
+            <a:endParaRPr lang="en-US" sz="2400" dirty="0">
+              <a:latin typeface="LM Roman 10 Regular"/>
+              <a:cs typeface="LM Roman 10 Regular"/>
+            </a:endParaRPr>
+          </a:p>
+        </p:txBody>
+      </p:sp>
+      <p:sp>
+        <p:nvSpPr>
+          <p:cNvPr id="10" name="TextBox 9"/>
+          <p:cNvSpPr txBox="1"/>
+          <p:nvPr/>
+        </p:nvSpPr>
+        <p:spPr>
+          <a:xfrm>
+            <a:off x="5264599" y="147436"/>
+            <a:ext cx="3899625" cy="2308324"/>
+          </a:xfrm>
+          <a:prstGeom prst="rect">
+            <a:avLst/>
+          </a:prstGeom>
+          <a:noFill/>
+        </p:spPr>
+        <p:txBody>
+          <a:bodyPr wrap="none" rtlCol="0">
+            <a:spAutoFit/>
+          </a:bodyPr>
+          <a:lstStyle/>
+          <a:p>
+            <a:endParaRPr lang="en-US" sz="2400" dirty="0">
+              <a:solidFill>
+                <a:srgbClr val="3366FF"/>
+              </a:solidFill>
+              <a:latin typeface="Trebuchet MS"/>
+              <a:cs typeface="Trebuchet MS"/>
+            </a:endParaRPr>
+          </a:p>
+          <a:p>
+            <a:r>
+              <a:rPr lang="en-US" sz="2400" dirty="0">
+                <a:solidFill>
+                  <a:srgbClr val="3366FF"/>
+                </a:solidFill>
+                <a:latin typeface="Trebuchet MS"/>
+                <a:cs typeface="Trebuchet MS"/>
+              </a:rPr>
+              <a:t>They are invariant against: </a:t>
+            </a:r>
+          </a:p>
+          <a:p>
+            <a:pPr marL="742950" lvl="1" indent="-285750">
+              <a:buFont typeface="Arial"/>
+              <a:buChar char="•"/>
+            </a:pPr>
+            <a:r>
+              <a:rPr lang="en-US" sz="2400" dirty="0">
+                <a:solidFill>
+                  <a:srgbClr val="3366FF"/>
+                </a:solidFill>
+                <a:latin typeface="Trebuchet MS"/>
+                <a:cs typeface="Trebuchet MS"/>
+              </a:rPr>
+              <a:t>scale, </a:t>
+            </a:r>
+          </a:p>
+          <a:p>
+            <a:pPr marL="742950" lvl="1" indent="-285750">
+              <a:buFont typeface="Arial"/>
+              <a:buChar char="•"/>
+            </a:pPr>
+            <a:r>
+              <a:rPr lang="en-US" sz="2400" dirty="0">
+                <a:solidFill>
+                  <a:srgbClr val="3366FF"/>
+                </a:solidFill>
+                <a:latin typeface="Trebuchet MS"/>
+                <a:cs typeface="Trebuchet MS"/>
+              </a:rPr>
+              <a:t>rotation and </a:t>
+            </a:r>
+          </a:p>
+          <a:p>
+            <a:pPr marL="742950" lvl="1" indent="-285750">
+              <a:buFont typeface="Arial"/>
+              <a:buChar char="•"/>
+            </a:pPr>
+            <a:r>
+              <a:rPr lang="en-US" sz="2400" dirty="0">
+                <a:solidFill>
+                  <a:srgbClr val="3366FF"/>
+                </a:solidFill>
+                <a:latin typeface="Trebuchet MS"/>
+                <a:cs typeface="Trebuchet MS"/>
+              </a:rPr>
+              <a:t>location</a:t>
+            </a:r>
+          </a:p>
+          <a:p>
+            <a:pPr marL="285750" indent="-285750">
+              <a:buFont typeface="Arial"/>
+              <a:buChar char="•"/>
+            </a:pPr>
+            <a:endParaRPr lang="en-US" sz="2400" dirty="0">
+              <a:solidFill>
+                <a:srgbClr val="3366FF"/>
+              </a:solidFill>
+              <a:latin typeface="LM Roman 10 Regular"/>
+              <a:cs typeface="LM Roman 10 Regular"/>
+            </a:endParaRPr>
+          </a:p>
+        </p:txBody>
+      </p:sp>
+    </p:spTree>
+    <p:extLst>
+      <p:ext uri="{BB962C8B-B14F-4D97-AF65-F5344CB8AC3E}">
+        <p14:creationId xmlns:p14="http://schemas.microsoft.com/office/powerpoint/2010/main" val="1682109078"/>
+      </p:ext>
+    </p:extLst>
+  </p:cSld>
+  <p:clrMapOvr>
+    <a:masterClrMapping/>
+  </p:clrMapOvr>
+  <p:timing>
+    <p:tnLst>
+      <p:par>
+        <p:cTn id="1" dur="indefinite" restart="never" nodeType="tmRoot">
+          <p:childTnLst>
+            <p:seq concurrent="1" nextAc="seek">
+              <p:cTn id="2" dur="indefinite" nodeType="mainSeq">
+                <p:childTnLst>
+                  <p:par>
+                    <p:cTn id="3" fill="hold">
+                      <p:stCondLst>
+                        <p:cond delay="indefinite"/>
+                      </p:stCondLst>
+                      <p:childTnLst>
+                        <p:par>
+                          <p:cTn id="4" fill="hold">
+                            <p:stCondLst>
+                              <p:cond delay="0"/>
+                            </p:stCondLst>
+                            <p:childTnLst>
+                              <p:par>
+                                <p:cTn id="5" presetID="1" presetClass="entr" presetSubtype="0" fill="hold" grpId="0" nodeType="clickEffect">
+                                  <p:stCondLst>
+                                    <p:cond delay="0"/>
+                                  </p:stCondLst>
+                                  <p:childTnLst>
+                                    <p:set>
+                                      <p:cBhvr>
+                                        <p:cTn id="6" dur="1" fill="hold">
+                                          <p:stCondLst>
+                                            <p:cond delay="0"/>
+                                          </p:stCondLst>
+                                        </p:cTn>
+                                        <p:tgtEl>
+                                          <p:spTgt spid="12"/>
+                                        </p:tgtEl>
+                                        <p:attrNameLst>
+                                          <p:attrName>style.visibility</p:attrName>
+                                        </p:attrNameLst>
+                                      </p:cBhvr>
+                                      <p:to>
+                                        <p:strVal val="visible"/>
+                                      </p:to>
+                                    </p:set>
+                                  </p:childTnLst>
+                                </p:cTn>
+                              </p:par>
+                            </p:childTnLst>
+                          </p:cTn>
+                        </p:par>
+                      </p:childTnLst>
+                    </p:cTn>
+                  </p:par>
+                </p:childTnLst>
+              </p:cTn>
+              <p:prevCondLst>
+                <p:cond evt="onPrev" delay="0">
+                  <p:tgtEl>
+                    <p:sldTgt/>
+                  </p:tgtEl>
+                </p:cond>
+              </p:prevCondLst>
+              <p:nextCondLst>
+                <p:cond evt="onNext" delay="0">
+                  <p:tgtEl>
+                    <p:sldTgt/>
+                  </p:tgtEl>
+                </p:cond>
+              </p:nextCondLst>
+            </p:seq>
+          </p:childTnLst>
+        </p:cTn>
+      </p:par>
+    </p:tnLst>
+    <p:bldLst>
+      <p:bldP spid="12" grpId="0" animBg="1"/>
+    </p:bldLst>
+  </p:timing>
+</p:sld>
+</file>
+
+<file path=ppt/slides/slide13.xml><?xml version="1.0" encoding="utf-8"?>
+<p:sld xmlns:a="http://schemas.openxmlformats.org/drawingml/2006/main" xmlns:r="http://schemas.openxmlformats.org/officeDocument/2006/relationships" xmlns:p="http://schemas.openxmlformats.org/presentationml/2006/main">
+  <p:cSld>
+    <p:spTree>
+      <p:nvGrpSpPr>
+        <p:cNvPr id="1" name=""/>
+        <p:cNvGrpSpPr/>
+        <p:nvPr/>
+      </p:nvGrpSpPr>
+      <p:grpSpPr>
+        <a:xfrm>
+          <a:off x="0" y="0"/>
+          <a:ext cx="0" cy="0"/>
+          <a:chOff x="0" y="0"/>
+          <a:chExt cx="0" cy="0"/>
+        </a:xfrm>
+      </p:grpSpPr>
       <p:sp>
         <p:nvSpPr>
           <p:cNvPr id="11" name="TextBox 10"/>
@@ -5899,7 +7986,7 @@
 </p:sld>
 </file>
 
-<file path=ppt/slides/slide11.xml><?xml version="1.0" encoding="utf-8"?>
+<file path=ppt/slides/slide14.xml><?xml version="1.0" encoding="utf-8"?>
 <p:sld xmlns:a="http://schemas.openxmlformats.org/drawingml/2006/main" xmlns:r="http://schemas.openxmlformats.org/officeDocument/2006/relationships" xmlns:p="http://schemas.openxmlformats.org/presentationml/2006/main">
   <p:cSld>
     <p:spTree>
@@ -7685,7 +9772,7 @@
 </p:sld>
 </file>
 
-<file path=ppt/slides/slide12.xml><?xml version="1.0" encoding="utf-8"?>
+<file path=ppt/slides/slide15.xml><?xml version="1.0" encoding="utf-8"?>
 <p:sld xmlns:a="http://schemas.openxmlformats.org/drawingml/2006/main" xmlns:r="http://schemas.openxmlformats.org/officeDocument/2006/relationships" xmlns:p="http://schemas.openxmlformats.org/presentationml/2006/main">
   <p:cSld>
     <p:spTree>
@@ -9179,7 +11266,7 @@
 </p:sld>
 </file>
 
-<file path=ppt/slides/slide13.xml><?xml version="1.0" encoding="utf-8"?>
+<file path=ppt/slides/slide16.xml><?xml version="1.0" encoding="utf-8"?>
 <p:sld xmlns:a="http://schemas.openxmlformats.org/drawingml/2006/main" xmlns:r="http://schemas.openxmlformats.org/officeDocument/2006/relationships" xmlns:p="http://schemas.openxmlformats.org/presentationml/2006/main">
   <p:cSld>
     <p:spTree>
@@ -9603,7 +11690,7 @@
 </p:sld>
 </file>
 
-<file path=ppt/slides/slide14.xml><?xml version="1.0" encoding="utf-8"?>
+<file path=ppt/slides/slide17.xml><?xml version="1.0" encoding="utf-8"?>
 <p:sld xmlns:a="http://schemas.openxmlformats.org/drawingml/2006/main" xmlns:r="http://schemas.openxmlformats.org/officeDocument/2006/relationships" xmlns:p="http://schemas.openxmlformats.org/presentationml/2006/main">
   <p:cSld>
     <p:spTree>
@@ -9955,7 +12042,7 @@
 </p:sld>
 </file>
 
-<file path=ppt/slides/slide15.xml><?xml version="1.0" encoding="utf-8"?>
+<file path=ppt/slides/slide18.xml><?xml version="1.0" encoding="utf-8"?>
 <p:sld xmlns:a="http://schemas.openxmlformats.org/drawingml/2006/main" xmlns:r="http://schemas.openxmlformats.org/officeDocument/2006/relationships" xmlns:p="http://schemas.openxmlformats.org/presentationml/2006/main">
   <p:cSld>
     <p:spTree>
@@ -10894,7 +12981,7 @@
             <p:nvPr/>
           </p:nvPicPr>
           <p:blipFill>
-            <a:blip r:embed="rId3">
+            <a:blip r:embed="rId2">
               <a:extLst>
                 <a:ext uri="{28A0092B-C50C-407E-A947-70E740481C1C}">
                   <a14:useLocalDpi xmlns:a14="http://schemas.microsoft.com/office/drawing/2010/main" val="0"/>
@@ -10924,7 +13011,7 @@
             <p:nvPr/>
           </p:nvPicPr>
           <p:blipFill>
-            <a:blip r:embed="rId4">
+            <a:blip r:embed="rId3">
               <a:extLst>
                 <a:ext uri="{28A0092B-C50C-407E-A947-70E740481C1C}">
                   <a14:useLocalDpi xmlns:a14="http://schemas.microsoft.com/office/drawing/2010/main" val="0"/>
@@ -11149,7 +13236,7 @@
             <p:nvPr/>
           </p:nvPicPr>
           <p:blipFill>
-            <a:blip r:embed="rId5">
+            <a:blip r:embed="rId4">
               <a:extLst>
                 <a:ext uri="{28A0092B-C50C-407E-A947-70E740481C1C}">
                   <a14:useLocalDpi xmlns:a14="http://schemas.microsoft.com/office/drawing/2010/main" val="0"/>
@@ -11180,7 +13267,7 @@
           <p:nvPr/>
         </p:nvPicPr>
         <p:blipFill>
-          <a:blip r:embed="rId6">
+          <a:blip r:embed="rId5">
             <a:extLst>
               <a:ext uri="{28A0092B-C50C-407E-A947-70E740481C1C}">
                 <a14:useLocalDpi xmlns:a14="http://schemas.microsoft.com/office/drawing/2010/main" val="0"/>
@@ -11210,7 +13297,7 @@
           <p:nvPr/>
         </p:nvPicPr>
         <p:blipFill>
-          <a:blip r:embed="rId7">
+          <a:blip r:embed="rId6">
             <a:extLst>
               <a:ext uri="{28A0092B-C50C-407E-A947-70E740481C1C}">
                 <a14:useLocalDpi xmlns:a14="http://schemas.microsoft.com/office/drawing/2010/main" val="0"/>
@@ -11323,12 +13410,12 @@
           <a:graphicData uri="http://schemas.openxmlformats.org/presentationml/2006/ole">
             <mc:AlternateContent xmlns:mc="http://schemas.openxmlformats.org/markup-compatibility/2006">
               <mc:Choice xmlns:v="urn:schemas-microsoft-com:vml" Requires="v">
-                <p:oleObj spid="_x0000_s18447" name="Equation" r:id="rId8" imgW="114300" imgH="165100" progId="Equation.3">
+                <p:oleObj name="Equation" r:id="rId7" imgW="114300" imgH="165100" progId="Equation.3">
                   <p:embed/>
                 </p:oleObj>
               </mc:Choice>
               <mc:Fallback>
-                <p:oleObj name="Equation" r:id="rId8" imgW="114300" imgH="165100" progId="Equation.3">
+                <p:oleObj name="Equation" r:id="rId7" imgW="114300" imgH="165100" progId="Equation.3">
                   <p:embed/>
                   <p:pic>
                     <p:nvPicPr>
@@ -11337,7 +13424,7 @@
                       <p:nvPr/>
                     </p:nvPicPr>
                     <p:blipFill>
-                      <a:blip r:embed="rId9"/>
+                      <a:blip r:embed="rId8"/>
                       <a:stretch>
                         <a:fillRect/>
                       </a:stretch>
@@ -11367,7 +13454,7 @@
           <p:nvPr/>
         </p:nvPicPr>
         <p:blipFill>
-          <a:blip r:embed="rId7">
+          <a:blip r:embed="rId6">
             <a:extLst>
               <a:ext uri="{28A0092B-C50C-407E-A947-70E740481C1C}">
                 <a14:useLocalDpi xmlns:a14="http://schemas.microsoft.com/office/drawing/2010/main" val="0"/>
@@ -11819,6 +13906,512 @@
   <p:cSld>
     <p:spTree>
       <p:nvGrpSpPr>
+        <p:cNvPr id="1" name="">
+          <a:extLst>
+            <a:ext uri="{FF2B5EF4-FFF2-40B4-BE49-F238E27FC236}">
+              <a16:creationId xmlns:a16="http://schemas.microsoft.com/office/drawing/2014/main" id="{35534589-26D7-B1FD-7CB6-AC13C181A88E}"/>
+            </a:ext>
+          </a:extLst>
+        </p:cNvPr>
+        <p:cNvGrpSpPr/>
+        <p:nvPr/>
+      </p:nvGrpSpPr>
+      <p:grpSpPr>
+        <a:xfrm>
+          <a:off x="0" y="0"/>
+          <a:ext cx="0" cy="0"/>
+          <a:chOff x="0" y="0"/>
+          <a:chExt cx="0" cy="0"/>
+        </a:xfrm>
+      </p:grpSpPr>
+      <p:sp>
+        <p:nvSpPr>
+          <p:cNvPr id="11" name="TextBox 10">
+            <a:extLst>
+              <a:ext uri="{FF2B5EF4-FFF2-40B4-BE49-F238E27FC236}">
+                <a16:creationId xmlns:a16="http://schemas.microsoft.com/office/drawing/2014/main" id="{D3DB0D3F-7E16-7313-34F9-064F72C6DC42}"/>
+              </a:ext>
+            </a:extLst>
+          </p:cNvPr>
+          <p:cNvSpPr txBox="1"/>
+          <p:nvPr/>
+        </p:nvSpPr>
+        <p:spPr>
+          <a:xfrm>
+            <a:off x="482600" y="330200"/>
+            <a:ext cx="7588937" cy="646331"/>
+          </a:xfrm>
+          <a:prstGeom prst="rect">
+            <a:avLst/>
+          </a:prstGeom>
+          <a:noFill/>
+        </p:spPr>
+        <p:txBody>
+          <a:bodyPr wrap="none" rtlCol="0">
+            <a:spAutoFit/>
+          </a:bodyPr>
+          <a:lstStyle/>
+          <a:p>
+            <a:r>
+              <a:rPr lang="en-US" sz="3600" b="1" dirty="0">
+                <a:latin typeface="Trebuchet MS"/>
+                <a:cs typeface="Trebuchet MS"/>
+              </a:rPr>
+              <a:t>Example: 9x9 binary image - Basic</a:t>
+            </a:r>
+          </a:p>
+        </p:txBody>
+      </p:sp>
+      <p:pic>
+        <p:nvPicPr>
+          <p:cNvPr id="3" name="Picture 2" descr="A black and white grid with numbers&#10;&#10;AI-generated content may be incorrect.">
+            <a:extLst>
+              <a:ext uri="{FF2B5EF4-FFF2-40B4-BE49-F238E27FC236}">
+                <a16:creationId xmlns:a16="http://schemas.microsoft.com/office/drawing/2014/main" id="{5DD506B0-DAF3-0DAE-54AA-257179933809}"/>
+              </a:ext>
+            </a:extLst>
+          </p:cNvPr>
+          <p:cNvPicPr>
+            <a:picLocks noChangeAspect="1"/>
+          </p:cNvPicPr>
+          <p:nvPr/>
+        </p:nvPicPr>
+        <p:blipFill>
+          <a:blip r:embed="rId3">
+            <a:extLst>
+              <a:ext uri="{28A0092B-C50C-407E-A947-70E740481C1C}">
+                <a14:useLocalDpi xmlns:a14="http://schemas.microsoft.com/office/drawing/2010/main" val="0"/>
+              </a:ext>
+            </a:extLst>
+          </a:blip>
+          <a:stretch>
+            <a:fillRect/>
+          </a:stretch>
+        </p:blipFill>
+        <p:spPr>
+          <a:xfrm>
+            <a:off x="289824" y="1371600"/>
+            <a:ext cx="3816822" cy="3809994"/>
+          </a:xfrm>
+          <a:prstGeom prst="rect">
+            <a:avLst/>
+          </a:prstGeom>
+        </p:spPr>
+      </p:pic>
+      <p:cxnSp>
+        <p:nvCxnSpPr>
+          <p:cNvPr id="5" name="Straight Arrow Connector 4">
+            <a:extLst>
+              <a:ext uri="{FF2B5EF4-FFF2-40B4-BE49-F238E27FC236}">
+                <a16:creationId xmlns:a16="http://schemas.microsoft.com/office/drawing/2014/main" id="{29DF54A6-1C5E-1BE2-0928-534B1BD242EE}"/>
+              </a:ext>
+            </a:extLst>
+          </p:cNvPr>
+          <p:cNvCxnSpPr>
+            <a:cxnSpLocks/>
+          </p:cNvCxnSpPr>
+          <p:nvPr/>
+        </p:nvCxnSpPr>
+        <p:spPr>
+          <a:xfrm>
+            <a:off x="660400" y="1739900"/>
+            <a:ext cx="3848100" cy="0"/>
+          </a:xfrm>
+          <a:prstGeom prst="straightConnector1">
+            <a:avLst/>
+          </a:prstGeom>
+          <a:ln w="19050">
+            <a:solidFill>
+              <a:schemeClr val="tx1"/>
+            </a:solidFill>
+            <a:tailEnd type="triangle"/>
+          </a:ln>
+        </p:spPr>
+        <p:style>
+          <a:lnRef idx="1">
+            <a:schemeClr val="accent1"/>
+          </a:lnRef>
+          <a:fillRef idx="0">
+            <a:schemeClr val="accent1"/>
+          </a:fillRef>
+          <a:effectRef idx="0">
+            <a:schemeClr val="accent1"/>
+          </a:effectRef>
+          <a:fontRef idx="minor">
+            <a:schemeClr val="tx1"/>
+          </a:fontRef>
+        </p:style>
+      </p:cxnSp>
+      <p:pic>
+        <p:nvPicPr>
+          <p:cNvPr id="6" name="Picture 5">
+            <a:extLst>
+              <a:ext uri="{FF2B5EF4-FFF2-40B4-BE49-F238E27FC236}">
+                <a16:creationId xmlns:a16="http://schemas.microsoft.com/office/drawing/2014/main" id="{FD4A1513-EA99-42E2-B4DD-9A9C298827CA}"/>
+              </a:ext>
+            </a:extLst>
+          </p:cNvPr>
+          <p:cNvPicPr>
+            <a:picLocks noChangeAspect="1"/>
+          </p:cNvPicPr>
+          <p:nvPr/>
+        </p:nvPicPr>
+        <p:blipFill>
+          <a:blip r:embed="rId4"/>
+          <a:stretch>
+            <a:fillRect/>
+          </a:stretch>
+        </p:blipFill>
+        <p:spPr>
+          <a:xfrm>
+            <a:off x="4178300" y="1892300"/>
+            <a:ext cx="203200" cy="406400"/>
+          </a:xfrm>
+          <a:prstGeom prst="rect">
+            <a:avLst/>
+          </a:prstGeom>
+        </p:spPr>
+      </p:pic>
+      <p:cxnSp>
+        <p:nvCxnSpPr>
+          <p:cNvPr id="7" name="Straight Arrow Connector 6">
+            <a:extLst>
+              <a:ext uri="{FF2B5EF4-FFF2-40B4-BE49-F238E27FC236}">
+                <a16:creationId xmlns:a16="http://schemas.microsoft.com/office/drawing/2014/main" id="{96705E89-1AB7-730E-5D78-9DC9BF32C136}"/>
+              </a:ext>
+            </a:extLst>
+          </p:cNvPr>
+          <p:cNvCxnSpPr>
+            <a:cxnSpLocks/>
+          </p:cNvCxnSpPr>
+          <p:nvPr/>
+        </p:nvCxnSpPr>
+        <p:spPr>
+          <a:xfrm>
+            <a:off x="673100" y="1816100"/>
+            <a:ext cx="0" cy="3733800"/>
+          </a:xfrm>
+          <a:prstGeom prst="straightConnector1">
+            <a:avLst/>
+          </a:prstGeom>
+          <a:ln w="19050">
+            <a:solidFill>
+              <a:schemeClr val="tx1"/>
+            </a:solidFill>
+            <a:tailEnd type="triangle"/>
+          </a:ln>
+        </p:spPr>
+        <p:style>
+          <a:lnRef idx="1">
+            <a:schemeClr val="accent1"/>
+          </a:lnRef>
+          <a:fillRef idx="0">
+            <a:schemeClr val="accent1"/>
+          </a:fillRef>
+          <a:effectRef idx="0">
+            <a:schemeClr val="accent1"/>
+          </a:effectRef>
+          <a:fontRef idx="minor">
+            <a:schemeClr val="tx1"/>
+          </a:fontRef>
+        </p:style>
+      </p:cxnSp>
+      <p:pic>
+        <p:nvPicPr>
+          <p:cNvPr id="15" name="Picture 14">
+            <a:extLst>
+              <a:ext uri="{FF2B5EF4-FFF2-40B4-BE49-F238E27FC236}">
+                <a16:creationId xmlns:a16="http://schemas.microsoft.com/office/drawing/2014/main" id="{A68A6345-093D-A8E1-A9E2-A261CCA8A4B0}"/>
+              </a:ext>
+            </a:extLst>
+          </p:cNvPr>
+          <p:cNvPicPr>
+            <a:picLocks noChangeAspect="1"/>
+          </p:cNvPicPr>
+          <p:nvPr/>
+        </p:nvPicPr>
+        <p:blipFill>
+          <a:blip r:embed="rId5"/>
+          <a:stretch>
+            <a:fillRect/>
+          </a:stretch>
+        </p:blipFill>
+        <p:spPr>
+          <a:xfrm>
+            <a:off x="590550" y="5638800"/>
+            <a:ext cx="139700" cy="330200"/>
+          </a:xfrm>
+          <a:prstGeom prst="rect">
+            <a:avLst/>
+          </a:prstGeom>
+        </p:spPr>
+      </p:pic>
+      <p:sp>
+        <p:nvSpPr>
+          <p:cNvPr id="16" name="TextBox 15">
+            <a:extLst>
+              <a:ext uri="{FF2B5EF4-FFF2-40B4-BE49-F238E27FC236}">
+                <a16:creationId xmlns:a16="http://schemas.microsoft.com/office/drawing/2014/main" id="{856158A7-E148-22A5-7329-51CCA48F403C}"/>
+              </a:ext>
+            </a:extLst>
+          </p:cNvPr>
+          <p:cNvSpPr txBox="1"/>
+          <p:nvPr/>
+        </p:nvSpPr>
+        <p:spPr>
+          <a:xfrm>
+            <a:off x="5189177" y="1300192"/>
+            <a:ext cx="2683748" cy="646331"/>
+          </a:xfrm>
+          <a:prstGeom prst="rect">
+            <a:avLst/>
+          </a:prstGeom>
+          <a:noFill/>
+        </p:spPr>
+        <p:txBody>
+          <a:bodyPr wrap="none" rtlCol="0">
+            <a:spAutoFit/>
+          </a:bodyPr>
+          <a:lstStyle/>
+          <a:p>
+            <a:r>
+              <a:rPr lang="en-US" sz="3600" b="1" dirty="0">
+                <a:latin typeface="Trebuchet MS"/>
+                <a:cs typeface="Trebuchet MS"/>
+              </a:rPr>
+              <a:t>In region R:</a:t>
+            </a:r>
+          </a:p>
+        </p:txBody>
+      </p:sp>
+      <p:pic>
+        <p:nvPicPr>
+          <p:cNvPr id="17" name="Picture 16">
+            <a:extLst>
+              <a:ext uri="{FF2B5EF4-FFF2-40B4-BE49-F238E27FC236}">
+                <a16:creationId xmlns:a16="http://schemas.microsoft.com/office/drawing/2014/main" id="{4EF27FAA-B311-243A-1604-BB0C1884C599}"/>
+              </a:ext>
+            </a:extLst>
+          </p:cNvPr>
+          <p:cNvPicPr>
+            <a:picLocks noChangeAspect="1"/>
+          </p:cNvPicPr>
+          <p:nvPr/>
+        </p:nvPicPr>
+        <p:blipFill>
+          <a:blip r:embed="rId6"/>
+          <a:stretch>
+            <a:fillRect/>
+          </a:stretch>
+        </p:blipFill>
+        <p:spPr>
+          <a:xfrm>
+            <a:off x="5321300" y="2067173"/>
+            <a:ext cx="3060700" cy="325419"/>
+          </a:xfrm>
+          <a:prstGeom prst="rect">
+            <a:avLst/>
+          </a:prstGeom>
+        </p:spPr>
+      </p:pic>
+      <p:pic>
+        <p:nvPicPr>
+          <p:cNvPr id="19" name="Picture 18">
+            <a:extLst>
+              <a:ext uri="{FF2B5EF4-FFF2-40B4-BE49-F238E27FC236}">
+                <a16:creationId xmlns:a16="http://schemas.microsoft.com/office/drawing/2014/main" id="{4DB3F2EC-51D3-9E3F-0943-B41A3DBCB1AD}"/>
+              </a:ext>
+            </a:extLst>
+          </p:cNvPr>
+          <p:cNvPicPr>
+            <a:picLocks noChangeAspect="1"/>
+          </p:cNvPicPr>
+          <p:nvPr/>
+        </p:nvPicPr>
+        <p:blipFill>
+          <a:blip r:embed="rId7"/>
+          <a:stretch>
+            <a:fillRect/>
+          </a:stretch>
+        </p:blipFill>
+        <p:spPr>
+          <a:xfrm>
+            <a:off x="5283200" y="2520950"/>
+            <a:ext cx="3060700" cy="319904"/>
+          </a:xfrm>
+          <a:prstGeom prst="rect">
+            <a:avLst/>
+          </a:prstGeom>
+        </p:spPr>
+      </p:pic>
+      <p:pic>
+        <p:nvPicPr>
+          <p:cNvPr id="22" name="Picture 21">
+            <a:extLst>
+              <a:ext uri="{FF2B5EF4-FFF2-40B4-BE49-F238E27FC236}">
+                <a16:creationId xmlns:a16="http://schemas.microsoft.com/office/drawing/2014/main" id="{DF6BF0A3-BB6C-F17E-231C-0E950AB60503}"/>
+              </a:ext>
+            </a:extLst>
+          </p:cNvPr>
+          <p:cNvPicPr>
+            <a:picLocks noChangeAspect="1"/>
+          </p:cNvPicPr>
+          <p:nvPr/>
+        </p:nvPicPr>
+        <p:blipFill>
+          <a:blip r:embed="rId8"/>
+          <a:stretch>
+            <a:fillRect/>
+          </a:stretch>
+        </p:blipFill>
+        <p:spPr>
+          <a:xfrm>
+            <a:off x="5283200" y="3059341"/>
+            <a:ext cx="3098800" cy="270195"/>
+          </a:xfrm>
+          <a:prstGeom prst="rect">
+            <a:avLst/>
+          </a:prstGeom>
+        </p:spPr>
+      </p:pic>
+      <p:pic>
+        <p:nvPicPr>
+          <p:cNvPr id="23" name="Picture 22">
+            <a:extLst>
+              <a:ext uri="{FF2B5EF4-FFF2-40B4-BE49-F238E27FC236}">
+                <a16:creationId xmlns:a16="http://schemas.microsoft.com/office/drawing/2014/main" id="{87AF12B6-A9EB-AC9B-FEF2-4AE8843F877C}"/>
+              </a:ext>
+            </a:extLst>
+          </p:cNvPr>
+          <p:cNvPicPr>
+            <a:picLocks noChangeAspect="1"/>
+          </p:cNvPicPr>
+          <p:nvPr/>
+        </p:nvPicPr>
+        <p:blipFill>
+          <a:blip r:embed="rId9"/>
+          <a:stretch>
+            <a:fillRect/>
+          </a:stretch>
+        </p:blipFill>
+        <p:spPr>
+          <a:xfrm>
+            <a:off x="5283200" y="3529961"/>
+            <a:ext cx="3098800" cy="262332"/>
+          </a:xfrm>
+          <a:prstGeom prst="rect">
+            <a:avLst/>
+          </a:prstGeom>
+        </p:spPr>
+      </p:pic>
+      <p:pic>
+        <p:nvPicPr>
+          <p:cNvPr id="2" name="Picture 1">
+            <a:extLst>
+              <a:ext uri="{FF2B5EF4-FFF2-40B4-BE49-F238E27FC236}">
+                <a16:creationId xmlns:a16="http://schemas.microsoft.com/office/drawing/2014/main" id="{75250D69-AE3D-D035-E7BF-C0A164584D49}"/>
+              </a:ext>
+            </a:extLst>
+          </p:cNvPr>
+          <p:cNvPicPr>
+            <a:picLocks noChangeAspect="1"/>
+          </p:cNvPicPr>
+          <p:nvPr/>
+        </p:nvPicPr>
+        <p:blipFill>
+          <a:blip r:embed="rId10"/>
+          <a:stretch>
+            <a:fillRect/>
+          </a:stretch>
+        </p:blipFill>
+        <p:spPr>
+          <a:xfrm>
+            <a:off x="5283200" y="4448947"/>
+            <a:ext cx="2551625" cy="648867"/>
+          </a:xfrm>
+          <a:prstGeom prst="rect">
+            <a:avLst/>
+          </a:prstGeom>
+        </p:spPr>
+      </p:pic>
+      <p:pic>
+        <p:nvPicPr>
+          <p:cNvPr id="4" name="Picture 3">
+            <a:extLst>
+              <a:ext uri="{FF2B5EF4-FFF2-40B4-BE49-F238E27FC236}">
+                <a16:creationId xmlns:a16="http://schemas.microsoft.com/office/drawing/2014/main" id="{48110138-6737-B2EC-31E3-59FB88CFEF53}"/>
+              </a:ext>
+            </a:extLst>
+          </p:cNvPr>
+          <p:cNvPicPr>
+            <a:picLocks noChangeAspect="1"/>
+          </p:cNvPicPr>
+          <p:nvPr/>
+        </p:nvPicPr>
+        <p:blipFill>
+          <a:blip r:embed="rId11"/>
+          <a:stretch>
+            <a:fillRect/>
+          </a:stretch>
+        </p:blipFill>
+        <p:spPr>
+          <a:xfrm>
+            <a:off x="5283200" y="5174013"/>
+            <a:ext cx="2621773" cy="648867"/>
+          </a:xfrm>
+          <a:prstGeom prst="rect">
+            <a:avLst/>
+          </a:prstGeom>
+        </p:spPr>
+      </p:pic>
+      <p:pic>
+        <p:nvPicPr>
+          <p:cNvPr id="8" name="Picture 7">
+            <a:extLst>
+              <a:ext uri="{FF2B5EF4-FFF2-40B4-BE49-F238E27FC236}">
+                <a16:creationId xmlns:a16="http://schemas.microsoft.com/office/drawing/2014/main" id="{FAF789F2-3B75-57C7-ECC4-C4957F7AAEE3}"/>
+              </a:ext>
+            </a:extLst>
+          </p:cNvPr>
+          <p:cNvPicPr>
+            <a:picLocks noChangeAspect="1"/>
+          </p:cNvPicPr>
+          <p:nvPr/>
+        </p:nvPicPr>
+        <p:blipFill>
+          <a:blip r:embed="rId12"/>
+          <a:stretch>
+            <a:fillRect/>
+          </a:stretch>
+        </p:blipFill>
+        <p:spPr>
+          <a:xfrm>
+            <a:off x="5258268" y="4083103"/>
+            <a:ext cx="852579" cy="262332"/>
+          </a:xfrm>
+          <a:prstGeom prst="rect">
+            <a:avLst/>
+          </a:prstGeom>
+        </p:spPr>
+      </p:pic>
+    </p:spTree>
+    <p:extLst>
+      <p:ext uri="{BB962C8B-B14F-4D97-AF65-F5344CB8AC3E}">
+        <p14:creationId xmlns:p14="http://schemas.microsoft.com/office/powerpoint/2010/main" val="3706603151"/>
+      </p:ext>
+    </p:extLst>
+  </p:cSld>
+  <p:clrMapOvr>
+    <a:masterClrMapping/>
+  </p:clrMapOvr>
+</p:sld>
+</file>
+
+<file path=ppt/slides/slide6.xml><?xml version="1.0" encoding="utf-8"?>
+<p:sld xmlns:a="http://schemas.openxmlformats.org/drawingml/2006/main" xmlns:r="http://schemas.openxmlformats.org/officeDocument/2006/relationships" xmlns:p="http://schemas.openxmlformats.org/presentationml/2006/main">
+  <p:cSld>
+    <p:spTree>
+      <p:nvGrpSpPr>
         <p:cNvPr id="1" name=""/>
         <p:cNvGrpSpPr/>
         <p:nvPr/>
@@ -12028,7 +14621,7 @@
 </p:sld>
 </file>
 
-<file path=ppt/slides/slide6.xml><?xml version="1.0" encoding="utf-8"?>
+<file path=ppt/slides/slide7.xml><?xml version="1.0" encoding="utf-8"?>
 <p:sld xmlns:a="http://schemas.openxmlformats.org/drawingml/2006/main" xmlns:r="http://schemas.openxmlformats.org/officeDocument/2006/relationships" xmlns:p="http://schemas.openxmlformats.org/presentationml/2006/main">
   <p:cSld>
     <p:spTree>
@@ -13110,7 +15703,7 @@
 </p:sld>
 </file>
 
-<file path=ppt/slides/slide7.xml><?xml version="1.0" encoding="utf-8"?>
+<file path=ppt/slides/slide8.xml><?xml version="1.0" encoding="utf-8"?>
 <p:sld xmlns:a="http://schemas.openxmlformats.org/drawingml/2006/main" xmlns:r="http://schemas.openxmlformats.org/officeDocument/2006/relationships" xmlns:p="http://schemas.openxmlformats.org/presentationml/2006/main">
   <p:cSld>
     <p:spTree>
@@ -13136,7 +15729,7 @@
           <p:nvPr/>
         </p:nvPicPr>
         <p:blipFill>
-          <a:blip r:embed="rId2">
+          <a:blip r:embed="rId3">
             <a:extLst>
               <a:ext uri="{28A0092B-C50C-407E-A947-70E740481C1C}">
                 <a14:useLocalDpi xmlns:a14="http://schemas.microsoft.com/office/drawing/2010/main" val="0"/>
@@ -13326,12 +15919,18 @@
 </p:sld>
 </file>
 
-<file path=ppt/slides/slide8.xml><?xml version="1.0" encoding="utf-8"?>
+<file path=ppt/slides/slide9.xml><?xml version="1.0" encoding="utf-8"?>
 <p:sld xmlns:a="http://schemas.openxmlformats.org/drawingml/2006/main" xmlns:r="http://schemas.openxmlformats.org/officeDocument/2006/relationships" xmlns:p="http://schemas.openxmlformats.org/presentationml/2006/main">
   <p:cSld>
     <p:spTree>
       <p:nvGrpSpPr>
-        <p:cNvPr id="1" name=""/>
+        <p:cNvPr id="1" name="">
+          <a:extLst>
+            <a:ext uri="{FF2B5EF4-FFF2-40B4-BE49-F238E27FC236}">
+              <a16:creationId xmlns:a16="http://schemas.microsoft.com/office/drawing/2014/main" id="{BA26FA90-E2F3-5935-1797-E24B027A0BBD}"/>
+            </a:ext>
+          </a:extLst>
+        </p:cNvPr>
         <p:cNvGrpSpPr/>
         <p:nvPr/>
       </p:nvGrpSpPr>
@@ -13343,124 +15942,27 @@
           <a:chExt cx="0" cy="0"/>
         </a:xfrm>
       </p:grpSpPr>
-      <p:graphicFrame>
-        <p:nvGraphicFramePr>
-          <p:cNvPr id="6" name="Object 7"/>
-          <p:cNvGraphicFramePr>
-            <a:graphicFrameLocks noChangeAspect="1"/>
-          </p:cNvGraphicFramePr>
-          <p:nvPr>
-            <p:extLst>
-              <p:ext uri="{D42A27DB-BD31-4B8C-83A1-F6EECF244321}">
-                <p14:modId xmlns:p14="http://schemas.microsoft.com/office/powerpoint/2010/main" val="1993252334"/>
-              </p:ext>
-            </p:extLst>
-          </p:nvPr>
-        </p:nvGraphicFramePr>
-        <p:xfrm>
-          <a:off x="200025" y="1085850"/>
-          <a:ext cx="8745538" cy="5314950"/>
-        </p:xfrm>
-        <a:graphic>
-          <a:graphicData uri="http://schemas.openxmlformats.org/presentationml/2006/ole">
-            <mc:AlternateContent xmlns:mc="http://schemas.openxmlformats.org/markup-compatibility/2006">
-              <mc:Choice xmlns:v="urn:schemas-microsoft-com:vml" Requires="v">
-                <p:oleObj spid="_x0000_s1049" name="Fotografía de Photo Editor" r:id="rId3" imgW="8745171" imgH="5315692" progId="MSPhotoEd.3">
-                  <p:embed/>
-                </p:oleObj>
-              </mc:Choice>
-              <mc:Fallback>
-                <p:oleObj name="Fotografía de Photo Editor" r:id="rId3" imgW="8745171" imgH="5315692" progId="MSPhotoEd.3">
-                  <p:embed/>
-                  <p:pic>
-                    <p:nvPicPr>
-                      <p:cNvPr id="0" name=""/>
-                      <p:cNvPicPr>
-                        <a:picLocks noChangeAspect="1" noChangeArrowheads="1"/>
-                      </p:cNvPicPr>
-                      <p:nvPr/>
-                    </p:nvPicPr>
-                    <p:blipFill>
-                      <a:blip r:embed="rId4">
-                        <a:extLst>
-                          <a:ext uri="{28A0092B-C50C-407E-A947-70E740481C1C}">
-                            <a14:useLocalDpi xmlns:a14="http://schemas.microsoft.com/office/drawing/2010/main" val="0"/>
-                          </a:ext>
-                        </a:extLst>
-                      </a:blip>
-                      <a:srcRect/>
-                      <a:stretch>
-                        <a:fillRect/>
-                      </a:stretch>
-                    </p:blipFill>
-                    <p:spPr bwMode="auto">
-                      <a:xfrm>
-                        <a:off x="200025" y="1085850"/>
-                        <a:ext cx="8745538" cy="5314950"/>
-                      </a:xfrm>
-                      <a:prstGeom prst="rect">
-                        <a:avLst/>
-                      </a:prstGeom>
-                      <a:noFill/>
-                      <a:ln>
-                        <a:noFill/>
-                      </a:ln>
-                      <a:effectLst/>
-                      <a:extLst>
-                        <a:ext uri="{909E8E84-426E-40dd-AFC4-6F175D3DCCD1}">
-                          <a14:hiddenFill xmlns:a14="http://schemas.microsoft.com/office/drawing/2010/main" xmlns="">
-                            <a:solidFill>
-                              <a:schemeClr val="accent1"/>
-                            </a:solidFill>
-                          </a14:hiddenFill>
-                        </a:ext>
-                        <a:ext uri="{91240B29-F687-4f45-9708-019B960494DF}">
-                          <a14:hiddenLine xmlns:a14="http://schemas.microsoft.com/office/drawing/2010/main" xmlns="" w="9525">
-                            <a:solidFill>
-                              <a:schemeClr val="tx1"/>
-                            </a:solidFill>
-                            <a:miter lim="800000"/>
-                            <a:headEnd/>
-                            <a:tailEnd/>
-                          </a14:hiddenLine>
-                        </a:ext>
-                        <a:ext uri="{AF507438-7753-43e0-B8FC-AC1667EBCBE1}">
-                          <a14:hiddenEffects xmlns:a14="http://schemas.microsoft.com/office/drawing/2010/main" xmlns="">
-                            <a:effectLst>
-                              <a:outerShdw blurRad="63500" dist="38099" dir="2700000" algn="ctr" rotWithShape="0">
-                                <a:schemeClr val="bg2">
-                                  <a:alpha val="74998"/>
-                                </a:schemeClr>
-                              </a:outerShdw>
-                            </a:effectLst>
-                          </a14:hiddenEffects>
-                        </a:ext>
-                      </a:extLst>
-                    </p:spPr>
-                  </p:pic>
-                </p:oleObj>
-              </mc:Fallback>
-            </mc:AlternateContent>
-          </a:graphicData>
-        </a:graphic>
-      </p:graphicFrame>
-      <p:sp>
-        <p:nvSpPr>
-          <p:cNvPr id="10" name="TextBox 9"/>
+      <p:sp>
+        <p:nvSpPr>
+          <p:cNvPr id="11" name="TextBox 10">
+            <a:extLst>
+              <a:ext uri="{FF2B5EF4-FFF2-40B4-BE49-F238E27FC236}">
+                <a16:creationId xmlns:a16="http://schemas.microsoft.com/office/drawing/2014/main" id="{7AFFD11D-92FD-6FF9-C995-37FB0C8F0E1B}"/>
+              </a:ext>
+            </a:extLst>
+          </p:cNvPr>
           <p:cNvSpPr txBox="1"/>
           <p:nvPr/>
         </p:nvSpPr>
         <p:spPr>
           <a:xfrm>
-            <a:off x="0" y="5041900"/>
-            <a:ext cx="1531188" cy="584776"/>
+            <a:off x="482600" y="330200"/>
+            <a:ext cx="8420895" cy="646331"/>
           </a:xfrm>
           <a:prstGeom prst="rect">
             <a:avLst/>
           </a:prstGeom>
-          <a:solidFill>
-            <a:srgbClr val="FFFFFF"/>
-          </a:solidFill>
+          <a:noFill/>
         </p:spPr>
         <p:txBody>
           <a:bodyPr wrap="none" rtlCol="0">
@@ -13469,25 +15971,215 @@
           <a:lstStyle/>
           <a:p>
             <a:r>
-              <a:rPr lang="en-US" sz="3200" dirty="0">
-                <a:latin typeface="LM Roman 10 Regular"/>
-                <a:cs typeface="LM Roman 10 Regular"/>
-              </a:rPr>
-              <a:t>    with </a:t>
+              <a:rPr lang="en-US" sz="3600" b="1" dirty="0">
+                <a:latin typeface="Trebuchet MS"/>
+                <a:cs typeface="Trebuchet MS"/>
+              </a:rPr>
+              <a:t>Example: 9x9 binary image - Moments</a:t>
             </a:r>
           </a:p>
         </p:txBody>
       </p:sp>
-      <p:sp>
-        <p:nvSpPr>
-          <p:cNvPr id="11" name="TextBox 10"/>
+      <p:pic>
+        <p:nvPicPr>
+          <p:cNvPr id="3" name="Picture 2" descr="A black and white grid with numbers&#10;&#10;AI-generated content may be incorrect.">
+            <a:extLst>
+              <a:ext uri="{FF2B5EF4-FFF2-40B4-BE49-F238E27FC236}">
+                <a16:creationId xmlns:a16="http://schemas.microsoft.com/office/drawing/2014/main" id="{24DC8ECD-2385-1475-1B79-BF36FF4A0B57}"/>
+              </a:ext>
+            </a:extLst>
+          </p:cNvPr>
+          <p:cNvPicPr>
+            <a:picLocks noChangeAspect="1"/>
+          </p:cNvPicPr>
+          <p:nvPr/>
+        </p:nvPicPr>
+        <p:blipFill>
+          <a:blip r:embed="rId3">
+            <a:extLst>
+              <a:ext uri="{28A0092B-C50C-407E-A947-70E740481C1C}">
+                <a14:useLocalDpi xmlns:a14="http://schemas.microsoft.com/office/drawing/2010/main" val="0"/>
+              </a:ext>
+            </a:extLst>
+          </a:blip>
+          <a:stretch>
+            <a:fillRect/>
+          </a:stretch>
+        </p:blipFill>
+        <p:spPr>
+          <a:xfrm>
+            <a:off x="289824" y="1371600"/>
+            <a:ext cx="3816822" cy="3809994"/>
+          </a:xfrm>
+          <a:prstGeom prst="rect">
+            <a:avLst/>
+          </a:prstGeom>
+        </p:spPr>
+      </p:pic>
+      <p:cxnSp>
+        <p:nvCxnSpPr>
+          <p:cNvPr id="5" name="Straight Arrow Connector 4">
+            <a:extLst>
+              <a:ext uri="{FF2B5EF4-FFF2-40B4-BE49-F238E27FC236}">
+                <a16:creationId xmlns:a16="http://schemas.microsoft.com/office/drawing/2014/main" id="{EB2643CF-29E8-ADC9-756D-89C144D65354}"/>
+              </a:ext>
+            </a:extLst>
+          </p:cNvPr>
+          <p:cNvCxnSpPr>
+            <a:cxnSpLocks/>
+          </p:cNvCxnSpPr>
+          <p:nvPr/>
+        </p:nvCxnSpPr>
+        <p:spPr>
+          <a:xfrm>
+            <a:off x="660400" y="1739900"/>
+            <a:ext cx="3848100" cy="0"/>
+          </a:xfrm>
+          <a:prstGeom prst="straightConnector1">
+            <a:avLst/>
+          </a:prstGeom>
+          <a:ln w="19050">
+            <a:solidFill>
+              <a:schemeClr val="tx1"/>
+            </a:solidFill>
+            <a:tailEnd type="triangle"/>
+          </a:ln>
+        </p:spPr>
+        <p:style>
+          <a:lnRef idx="1">
+            <a:schemeClr val="accent1"/>
+          </a:lnRef>
+          <a:fillRef idx="0">
+            <a:schemeClr val="accent1"/>
+          </a:fillRef>
+          <a:effectRef idx="0">
+            <a:schemeClr val="accent1"/>
+          </a:effectRef>
+          <a:fontRef idx="minor">
+            <a:schemeClr val="tx1"/>
+          </a:fontRef>
+        </p:style>
+      </p:cxnSp>
+      <p:pic>
+        <p:nvPicPr>
+          <p:cNvPr id="6" name="Picture 5">
+            <a:extLst>
+              <a:ext uri="{FF2B5EF4-FFF2-40B4-BE49-F238E27FC236}">
+                <a16:creationId xmlns:a16="http://schemas.microsoft.com/office/drawing/2014/main" id="{E2192F1E-8BA3-9E32-B273-1A998D658BFC}"/>
+              </a:ext>
+            </a:extLst>
+          </p:cNvPr>
+          <p:cNvPicPr>
+            <a:picLocks noChangeAspect="1"/>
+          </p:cNvPicPr>
+          <p:nvPr/>
+        </p:nvPicPr>
+        <p:blipFill>
+          <a:blip r:embed="rId4"/>
+          <a:stretch>
+            <a:fillRect/>
+          </a:stretch>
+        </p:blipFill>
+        <p:spPr>
+          <a:xfrm>
+            <a:off x="4178300" y="1892300"/>
+            <a:ext cx="203200" cy="406400"/>
+          </a:xfrm>
+          <a:prstGeom prst="rect">
+            <a:avLst/>
+          </a:prstGeom>
+        </p:spPr>
+      </p:pic>
+      <p:cxnSp>
+        <p:nvCxnSpPr>
+          <p:cNvPr id="7" name="Straight Arrow Connector 6">
+            <a:extLst>
+              <a:ext uri="{FF2B5EF4-FFF2-40B4-BE49-F238E27FC236}">
+                <a16:creationId xmlns:a16="http://schemas.microsoft.com/office/drawing/2014/main" id="{C15619EC-7E53-685B-24F7-D35ADEC41C9A}"/>
+              </a:ext>
+            </a:extLst>
+          </p:cNvPr>
+          <p:cNvCxnSpPr>
+            <a:cxnSpLocks/>
+          </p:cNvCxnSpPr>
+          <p:nvPr/>
+        </p:nvCxnSpPr>
+        <p:spPr>
+          <a:xfrm>
+            <a:off x="673100" y="1816100"/>
+            <a:ext cx="0" cy="3733800"/>
+          </a:xfrm>
+          <a:prstGeom prst="straightConnector1">
+            <a:avLst/>
+          </a:prstGeom>
+          <a:ln w="19050">
+            <a:solidFill>
+              <a:schemeClr val="tx1"/>
+            </a:solidFill>
+            <a:tailEnd type="triangle"/>
+          </a:ln>
+        </p:spPr>
+        <p:style>
+          <a:lnRef idx="1">
+            <a:schemeClr val="accent1"/>
+          </a:lnRef>
+          <a:fillRef idx="0">
+            <a:schemeClr val="accent1"/>
+          </a:fillRef>
+          <a:effectRef idx="0">
+            <a:schemeClr val="accent1"/>
+          </a:effectRef>
+          <a:fontRef idx="minor">
+            <a:schemeClr val="tx1"/>
+          </a:fontRef>
+        </p:style>
+      </p:cxnSp>
+      <p:pic>
+        <p:nvPicPr>
+          <p:cNvPr id="15" name="Picture 14">
+            <a:extLst>
+              <a:ext uri="{FF2B5EF4-FFF2-40B4-BE49-F238E27FC236}">
+                <a16:creationId xmlns:a16="http://schemas.microsoft.com/office/drawing/2014/main" id="{F8F741AE-C43D-90C5-9D31-CF74B5B093AE}"/>
+              </a:ext>
+            </a:extLst>
+          </p:cNvPr>
+          <p:cNvPicPr>
+            <a:picLocks noChangeAspect="1"/>
+          </p:cNvPicPr>
+          <p:nvPr/>
+        </p:nvPicPr>
+        <p:blipFill>
+          <a:blip r:embed="rId5"/>
+          <a:stretch>
+            <a:fillRect/>
+          </a:stretch>
+        </p:blipFill>
+        <p:spPr>
+          <a:xfrm>
+            <a:off x="590550" y="5638800"/>
+            <a:ext cx="139700" cy="330200"/>
+          </a:xfrm>
+          <a:prstGeom prst="rect">
+            <a:avLst/>
+          </a:prstGeom>
+        </p:spPr>
+      </p:pic>
+      <p:sp>
+        <p:nvSpPr>
+          <p:cNvPr id="16" name="TextBox 15">
+            <a:extLst>
+              <a:ext uri="{FF2B5EF4-FFF2-40B4-BE49-F238E27FC236}">
+                <a16:creationId xmlns:a16="http://schemas.microsoft.com/office/drawing/2014/main" id="{B419F9D4-170B-3E57-DBBB-69455B892D15}"/>
+              </a:ext>
+            </a:extLst>
+          </p:cNvPr>
           <p:cNvSpPr txBox="1"/>
           <p:nvPr/>
         </p:nvSpPr>
         <p:spPr>
           <a:xfrm>
-            <a:off x="482600" y="330200"/>
-            <a:ext cx="3142432" cy="646331"/>
+            <a:off x="5189177" y="1300192"/>
+            <a:ext cx="2683748" cy="646331"/>
           </a:xfrm>
           <a:prstGeom prst="rect">
             <a:avLst/>
@@ -13505,1074 +16197,261 @@
                 <a:latin typeface="Trebuchet MS"/>
                 <a:cs typeface="Trebuchet MS"/>
               </a:rPr>
-              <a:t>Hu - Moments</a:t>
+              <a:t>In region R:</a:t>
             </a:r>
           </a:p>
         </p:txBody>
       </p:sp>
-      <p:sp>
-        <p:nvSpPr>
-          <p:cNvPr id="7" name="TextBox 6"/>
-          <p:cNvSpPr txBox="1"/>
+      <p:pic>
+        <p:nvPicPr>
+          <p:cNvPr id="17" name="Picture 16">
+            <a:extLst>
+              <a:ext uri="{FF2B5EF4-FFF2-40B4-BE49-F238E27FC236}">
+                <a16:creationId xmlns:a16="http://schemas.microsoft.com/office/drawing/2014/main" id="{29DA2536-26BF-2E1E-02BA-E73310B70A11}"/>
+              </a:ext>
+            </a:extLst>
+          </p:cNvPr>
+          <p:cNvPicPr>
+            <a:picLocks noChangeAspect="1"/>
+          </p:cNvPicPr>
           <p:nvPr/>
-        </p:nvSpPr>
+        </p:nvPicPr>
+        <p:blipFill>
+          <a:blip r:embed="rId6"/>
+          <a:stretch>
+            <a:fillRect/>
+          </a:stretch>
+        </p:blipFill>
         <p:spPr>
           <a:xfrm>
-            <a:off x="5264599" y="147436"/>
-            <a:ext cx="3899625" cy="2308324"/>
+            <a:off x="5321300" y="2003673"/>
+            <a:ext cx="3060700" cy="325419"/>
           </a:xfrm>
           <a:prstGeom prst="rect">
             <a:avLst/>
           </a:prstGeom>
-          <a:noFill/>
-        </p:spPr>
-        <p:txBody>
-          <a:bodyPr wrap="none" rtlCol="0">
-            <a:spAutoFit/>
-          </a:bodyPr>
-          <a:lstStyle/>
-          <a:p>
-            <a:endParaRPr lang="en-US" sz="2400" dirty="0">
-              <a:solidFill>
-                <a:srgbClr val="3366FF"/>
-              </a:solidFill>
-              <a:latin typeface="Trebuchet MS"/>
-              <a:cs typeface="Trebuchet MS"/>
-            </a:endParaRPr>
-          </a:p>
-          <a:p>
-            <a:r>
-              <a:rPr lang="en-US" sz="2400" dirty="0">
-                <a:solidFill>
-                  <a:srgbClr val="3366FF"/>
-                </a:solidFill>
-                <a:latin typeface="Trebuchet MS"/>
-                <a:cs typeface="Trebuchet MS"/>
-              </a:rPr>
-              <a:t>They are invariant against: </a:t>
-            </a:r>
-          </a:p>
-          <a:p>
-            <a:pPr marL="742950" lvl="1" indent="-285750">
-              <a:buFont typeface="Arial"/>
-              <a:buChar char="•"/>
-            </a:pPr>
-            <a:r>
-              <a:rPr lang="en-US" sz="2400" dirty="0">
-                <a:solidFill>
-                  <a:srgbClr val="3366FF"/>
-                </a:solidFill>
-                <a:latin typeface="Trebuchet MS"/>
-                <a:cs typeface="Trebuchet MS"/>
-              </a:rPr>
-              <a:t>scale, </a:t>
-            </a:r>
-          </a:p>
-          <a:p>
-            <a:pPr marL="742950" lvl="1" indent="-285750">
-              <a:buFont typeface="Arial"/>
-              <a:buChar char="•"/>
-            </a:pPr>
-            <a:r>
-              <a:rPr lang="en-US" sz="2400" dirty="0">
-                <a:solidFill>
-                  <a:srgbClr val="3366FF"/>
-                </a:solidFill>
-                <a:latin typeface="Trebuchet MS"/>
-                <a:cs typeface="Trebuchet MS"/>
-              </a:rPr>
-              <a:t>rotation and </a:t>
-            </a:r>
-          </a:p>
-          <a:p>
-            <a:pPr marL="742950" lvl="1" indent="-285750">
-              <a:buFont typeface="Arial"/>
-              <a:buChar char="•"/>
-            </a:pPr>
-            <a:r>
-              <a:rPr lang="en-US" sz="2400" dirty="0">
-                <a:solidFill>
-                  <a:srgbClr val="3366FF"/>
-                </a:solidFill>
-                <a:latin typeface="Trebuchet MS"/>
-                <a:cs typeface="Trebuchet MS"/>
-              </a:rPr>
-              <a:t>location</a:t>
-            </a:r>
-          </a:p>
-          <a:p>
-            <a:pPr marL="285750" indent="-285750">
-              <a:buFont typeface="Arial"/>
-              <a:buChar char="•"/>
-            </a:pPr>
-            <a:endParaRPr lang="en-US" sz="2400" dirty="0">
-              <a:solidFill>
-                <a:srgbClr val="3366FF"/>
-              </a:solidFill>
-              <a:latin typeface="LM Roman 10 Regular"/>
-              <a:cs typeface="LM Roman 10 Regular"/>
-            </a:endParaRPr>
-          </a:p>
-        </p:txBody>
-      </p:sp>
-      <p:sp>
-        <p:nvSpPr>
-          <p:cNvPr id="2" name="TextBox 1"/>
-          <p:cNvSpPr txBox="1"/>
+        </p:spPr>
+      </p:pic>
+      <p:pic>
+        <p:nvPicPr>
+          <p:cNvPr id="19" name="Picture 18">
+            <a:extLst>
+              <a:ext uri="{FF2B5EF4-FFF2-40B4-BE49-F238E27FC236}">
+                <a16:creationId xmlns:a16="http://schemas.microsoft.com/office/drawing/2014/main" id="{C45F1485-6145-B938-C911-5E1F12A37615}"/>
+              </a:ext>
+            </a:extLst>
+          </p:cNvPr>
+          <p:cNvPicPr>
+            <a:picLocks noChangeAspect="1"/>
+          </p:cNvPicPr>
           <p:nvPr/>
-        </p:nvSpPr>
+        </p:nvPicPr>
+        <p:blipFill>
+          <a:blip r:embed="rId7"/>
+          <a:stretch>
+            <a:fillRect/>
+          </a:stretch>
+        </p:blipFill>
         <p:spPr>
           <a:xfrm>
-            <a:off x="179609" y="6519541"/>
-            <a:ext cx="9465016" cy="276999"/>
+            <a:off x="5283200" y="2457450"/>
+            <a:ext cx="3060700" cy="319904"/>
           </a:xfrm>
           <a:prstGeom prst="rect">
             <a:avLst/>
           </a:prstGeom>
-          <a:noFill/>
-        </p:spPr>
-        <p:txBody>
-          <a:bodyPr wrap="square" rtlCol="0">
-            <a:spAutoFit/>
-          </a:bodyPr>
-          <a:lstStyle/>
-          <a:p>
-            <a:r>
-              <a:rPr lang="en-US" sz="1200" dirty="0">
-                <a:latin typeface="Trebuchet MS"/>
-                <a:cs typeface="Trebuchet MS"/>
-              </a:rPr>
-              <a:t>Hu, M.K. (1962): </a:t>
-            </a:r>
-            <a:r>
-              <a:rPr lang="en-US" sz="1200" dirty="0">
-                <a:latin typeface="Trebuchet MS"/>
-                <a:cs typeface="Trebuchet MS"/>
-                <a:hlinkClick r:id="rId5"/>
-              </a:rPr>
-              <a:t>Visual Pattern Recognition by moment invariants</a:t>
-            </a:r>
-            <a:r>
-              <a:rPr lang="en-US" sz="1200" dirty="0">
-                <a:latin typeface="Trebuchet MS"/>
-                <a:cs typeface="Trebuchet MS"/>
-              </a:rPr>
-              <a:t>. IRE Trans. On Information Theory, 8(2): 179-187.</a:t>
-            </a:r>
-          </a:p>
-        </p:txBody>
-      </p:sp>
+        </p:spPr>
+      </p:pic>
+      <p:pic>
+        <p:nvPicPr>
+          <p:cNvPr id="24" name="Picture 23">
+            <a:extLst>
+              <a:ext uri="{FF2B5EF4-FFF2-40B4-BE49-F238E27FC236}">
+                <a16:creationId xmlns:a16="http://schemas.microsoft.com/office/drawing/2014/main" id="{3A16F099-2BEA-0325-052A-FA8FF233A1ED}"/>
+              </a:ext>
+            </a:extLst>
+          </p:cNvPr>
+          <p:cNvPicPr>
+            <a:picLocks noChangeAspect="1"/>
+          </p:cNvPicPr>
+          <p:nvPr/>
+        </p:nvPicPr>
+        <p:blipFill>
+          <a:blip r:embed="rId8"/>
+          <a:stretch>
+            <a:fillRect/>
+          </a:stretch>
+        </p:blipFill>
+        <p:spPr>
+          <a:xfrm>
+            <a:off x="7203176" y="4039775"/>
+            <a:ext cx="1689100" cy="521172"/>
+          </a:xfrm>
+          <a:prstGeom prst="rect">
+            <a:avLst/>
+          </a:prstGeom>
+        </p:spPr>
+      </p:pic>
+      <p:pic>
+        <p:nvPicPr>
+          <p:cNvPr id="25" name="Picture 24">
+            <a:extLst>
+              <a:ext uri="{FF2B5EF4-FFF2-40B4-BE49-F238E27FC236}">
+                <a16:creationId xmlns:a16="http://schemas.microsoft.com/office/drawing/2014/main" id="{06EBD9D7-FD06-6BBF-D488-933B3EE39553}"/>
+              </a:ext>
+            </a:extLst>
+          </p:cNvPr>
+          <p:cNvPicPr>
+            <a:picLocks noChangeAspect="1"/>
+          </p:cNvPicPr>
+          <p:nvPr/>
+        </p:nvPicPr>
+        <p:blipFill>
+          <a:blip r:embed="rId9"/>
+          <a:stretch>
+            <a:fillRect/>
+          </a:stretch>
+        </p:blipFill>
+        <p:spPr>
+          <a:xfrm>
+            <a:off x="5221977" y="4045191"/>
+            <a:ext cx="1689100" cy="515756"/>
+          </a:xfrm>
+          <a:prstGeom prst="rect">
+            <a:avLst/>
+          </a:prstGeom>
+        </p:spPr>
+      </p:pic>
+      <p:pic>
+        <p:nvPicPr>
+          <p:cNvPr id="27" name="Picture 26">
+            <a:extLst>
+              <a:ext uri="{FF2B5EF4-FFF2-40B4-BE49-F238E27FC236}">
+                <a16:creationId xmlns:a16="http://schemas.microsoft.com/office/drawing/2014/main" id="{99E8F839-22E4-1870-78B4-18DCB2AD4F15}"/>
+              </a:ext>
+            </a:extLst>
+          </p:cNvPr>
+          <p:cNvPicPr>
+            <a:picLocks noChangeAspect="1"/>
+          </p:cNvPicPr>
+          <p:nvPr/>
+        </p:nvPicPr>
+        <p:blipFill>
+          <a:blip r:embed="rId10"/>
+          <a:stretch>
+            <a:fillRect/>
+          </a:stretch>
+        </p:blipFill>
+        <p:spPr>
+          <a:xfrm>
+            <a:off x="5298130" y="3261223"/>
+            <a:ext cx="2321870" cy="556980"/>
+          </a:xfrm>
+          <a:prstGeom prst="rect">
+            <a:avLst/>
+          </a:prstGeom>
+        </p:spPr>
+      </p:pic>
+      <p:pic>
+        <p:nvPicPr>
+          <p:cNvPr id="30" name="Picture 29">
+            <a:extLst>
+              <a:ext uri="{FF2B5EF4-FFF2-40B4-BE49-F238E27FC236}">
+                <a16:creationId xmlns:a16="http://schemas.microsoft.com/office/drawing/2014/main" id="{98D5688A-404E-835E-3B13-EA96CD19E2B4}"/>
+              </a:ext>
+            </a:extLst>
+          </p:cNvPr>
+          <p:cNvPicPr>
+            <a:picLocks noChangeAspect="1"/>
+          </p:cNvPicPr>
+          <p:nvPr/>
+        </p:nvPicPr>
+        <p:blipFill>
+          <a:blip r:embed="rId11"/>
+          <a:stretch>
+            <a:fillRect/>
+          </a:stretch>
+        </p:blipFill>
+        <p:spPr>
+          <a:xfrm>
+            <a:off x="5221977" y="4683617"/>
+            <a:ext cx="1732827" cy="556980"/>
+          </a:xfrm>
+          <a:prstGeom prst="rect">
+            <a:avLst/>
+          </a:prstGeom>
+        </p:spPr>
+      </p:pic>
+      <p:pic>
+        <p:nvPicPr>
+          <p:cNvPr id="31" name="Picture 30">
+            <a:extLst>
+              <a:ext uri="{FF2B5EF4-FFF2-40B4-BE49-F238E27FC236}">
+                <a16:creationId xmlns:a16="http://schemas.microsoft.com/office/drawing/2014/main" id="{4E12CEF7-D4B8-EE3C-33DE-A15EB2617566}"/>
+              </a:ext>
+            </a:extLst>
+          </p:cNvPr>
+          <p:cNvPicPr>
+            <a:picLocks noChangeAspect="1"/>
+          </p:cNvPicPr>
+          <p:nvPr/>
+        </p:nvPicPr>
+        <p:blipFill>
+          <a:blip r:embed="rId12"/>
+          <a:stretch>
+            <a:fillRect/>
+          </a:stretch>
+        </p:blipFill>
+        <p:spPr>
+          <a:xfrm>
+            <a:off x="7269240" y="4687210"/>
+            <a:ext cx="1547167" cy="556980"/>
+          </a:xfrm>
+          <a:prstGeom prst="rect">
+            <a:avLst/>
+          </a:prstGeom>
+        </p:spPr>
+      </p:pic>
+      <p:pic>
+        <p:nvPicPr>
+          <p:cNvPr id="32" name="Picture 31">
+            <a:extLst>
+              <a:ext uri="{FF2B5EF4-FFF2-40B4-BE49-F238E27FC236}">
+                <a16:creationId xmlns:a16="http://schemas.microsoft.com/office/drawing/2014/main" id="{4DAB705B-3417-0514-7F8F-17EFC90F45FB}"/>
+              </a:ext>
+            </a:extLst>
+          </p:cNvPr>
+          <p:cNvPicPr>
+            <a:picLocks noChangeAspect="1"/>
+          </p:cNvPicPr>
+          <p:nvPr/>
+        </p:nvPicPr>
+        <p:blipFill>
+          <a:blip r:embed="rId13"/>
+          <a:stretch>
+            <a:fillRect/>
+          </a:stretch>
+        </p:blipFill>
+        <p:spPr>
+          <a:xfrm>
+            <a:off x="1018608" y="6314696"/>
+            <a:ext cx="7772400" cy="259080"/>
+          </a:xfrm>
+          <a:prstGeom prst="rect">
+            <a:avLst/>
+          </a:prstGeom>
+        </p:spPr>
+      </p:pic>
     </p:spTree>
     <p:extLst>
       <p:ext uri="{BB962C8B-B14F-4D97-AF65-F5344CB8AC3E}">
-        <p14:creationId xmlns:p14="http://schemas.microsoft.com/office/powerpoint/2010/main" val="3851550136"/>
+        <p14:creationId xmlns:p14="http://schemas.microsoft.com/office/powerpoint/2010/main" val="2080076812"/>
       </p:ext>
     </p:extLst>
   </p:cSld>
   <p:clrMapOvr>
     <a:masterClrMapping/>
   </p:clrMapOvr>
-  <p:timing>
-    <p:tnLst>
-      <p:par>
-        <p:cTn id="1" dur="indefinite" restart="never" nodeType="tmRoot">
-          <p:childTnLst>
-            <p:seq concurrent="1" nextAc="seek">
-              <p:cTn id="2" dur="indefinite" nodeType="mainSeq">
-                <p:childTnLst>
-                  <p:par>
-                    <p:cTn id="3" fill="hold">
-                      <p:stCondLst>
-                        <p:cond delay="indefinite"/>
-                      </p:stCondLst>
-                      <p:childTnLst>
-                        <p:par>
-                          <p:cTn id="4" fill="hold">
-                            <p:stCondLst>
-                              <p:cond delay="0"/>
-                            </p:stCondLst>
-                            <p:childTnLst>
-                              <p:par>
-                                <p:cTn id="5" presetID="1" presetClass="entr" presetSubtype="0" fill="hold" grpId="0" nodeType="clickEffect">
-                                  <p:stCondLst>
-                                    <p:cond delay="0"/>
-                                  </p:stCondLst>
-                                  <p:childTnLst>
-                                    <p:set>
-                                      <p:cBhvr>
-                                        <p:cTn id="6" dur="1" fill="hold">
-                                          <p:stCondLst>
-                                            <p:cond delay="0"/>
-                                          </p:stCondLst>
-                                        </p:cTn>
-                                        <p:tgtEl>
-                                          <p:spTgt spid="7"/>
-                                        </p:tgtEl>
-                                        <p:attrNameLst>
-                                          <p:attrName>style.visibility</p:attrName>
-                                        </p:attrNameLst>
-                                      </p:cBhvr>
-                                      <p:to>
-                                        <p:strVal val="visible"/>
-                                      </p:to>
-                                    </p:set>
-                                  </p:childTnLst>
-                                </p:cTn>
-                              </p:par>
-                            </p:childTnLst>
-                          </p:cTn>
-                        </p:par>
-                      </p:childTnLst>
-                    </p:cTn>
-                  </p:par>
-                </p:childTnLst>
-              </p:cTn>
-              <p:prevCondLst>
-                <p:cond evt="onPrev" delay="0">
-                  <p:tgtEl>
-                    <p:sldTgt/>
-                  </p:tgtEl>
-                </p:cond>
-              </p:prevCondLst>
-              <p:nextCondLst>
-                <p:cond evt="onNext" delay="0">
-                  <p:tgtEl>
-                    <p:sldTgt/>
-                  </p:tgtEl>
-                </p:cond>
-              </p:nextCondLst>
-            </p:seq>
-          </p:childTnLst>
-        </p:cTn>
-      </p:par>
-    </p:tnLst>
-    <p:bldLst>
-      <p:bldP spid="7" grpId="0"/>
-    </p:bldLst>
-  </p:timing>
-</p:sld>
-</file>
-
-<file path=ppt/slides/slide9.xml><?xml version="1.0" encoding="utf-8"?>
-<p:sld xmlns:a="http://schemas.openxmlformats.org/drawingml/2006/main" xmlns:r="http://schemas.openxmlformats.org/officeDocument/2006/relationships" xmlns:p="http://schemas.openxmlformats.org/presentationml/2006/main">
-  <p:cSld>
-    <p:spTree>
-      <p:nvGrpSpPr>
-        <p:cNvPr id="1" name=""/>
-        <p:cNvGrpSpPr/>
-        <p:nvPr/>
-      </p:nvGrpSpPr>
-      <p:grpSpPr>
-        <a:xfrm>
-          <a:off x="0" y="0"/>
-          <a:ext cx="0" cy="0"/>
-          <a:chOff x="0" y="0"/>
-          <a:chExt cx="0" cy="0"/>
-        </a:xfrm>
-      </p:grpSpPr>
-      <p:sp>
-        <p:nvSpPr>
-          <p:cNvPr id="11" name="TextBox 10"/>
-          <p:cNvSpPr txBox="1"/>
-          <p:nvPr/>
-        </p:nvSpPr>
-        <p:spPr>
-          <a:xfrm>
-            <a:off x="482600" y="330200"/>
-            <a:ext cx="3142432" cy="646331"/>
-          </a:xfrm>
-          <a:prstGeom prst="rect">
-            <a:avLst/>
-          </a:prstGeom>
-          <a:noFill/>
-        </p:spPr>
-        <p:txBody>
-          <a:bodyPr wrap="none" rtlCol="0">
-            <a:spAutoFit/>
-          </a:bodyPr>
-          <a:lstStyle/>
-          <a:p>
-            <a:r>
-              <a:rPr lang="en-US" sz="3600" b="1" dirty="0">
-                <a:latin typeface="Trebuchet MS"/>
-                <a:cs typeface="Trebuchet MS"/>
-              </a:rPr>
-              <a:t>Hu - Moments</a:t>
-            </a:r>
-          </a:p>
-        </p:txBody>
-      </p:sp>
-      <p:sp>
-        <p:nvSpPr>
-          <p:cNvPr id="2" name="Freeform 1"/>
-          <p:cNvSpPr/>
-          <p:nvPr/>
-        </p:nvSpPr>
-        <p:spPr>
-          <a:xfrm>
-            <a:off x="438751" y="2296087"/>
-            <a:ext cx="3781113" cy="3119469"/>
-          </a:xfrm>
-          <a:custGeom>
-            <a:avLst/>
-            <a:gdLst>
-              <a:gd name="connsiteX0" fmla="*/ 1655551 w 3781113"/>
-              <a:gd name="connsiteY0" fmla="*/ 649088 h 3119469"/>
-              <a:gd name="connsiteX1" fmla="*/ 1912272 w 3781113"/>
-              <a:gd name="connsiteY1" fmla="*/ 609 h 3119469"/>
-              <a:gd name="connsiteX2" fmla="*/ 2912133 w 3781113"/>
-              <a:gd name="connsiteY2" fmla="*/ 770678 h 3119469"/>
-              <a:gd name="connsiteX3" fmla="*/ 2060900 w 3781113"/>
-              <a:gd name="connsiteY3" fmla="*/ 1756906 h 3119469"/>
-              <a:gd name="connsiteX4" fmla="*/ 3776878 w 3781113"/>
-              <a:gd name="connsiteY4" fmla="*/ 2675584 h 3119469"/>
-              <a:gd name="connsiteX5" fmla="*/ 1466388 w 3781113"/>
-              <a:gd name="connsiteY5" fmla="*/ 3107903 h 3119469"/>
-              <a:gd name="connsiteX6" fmla="*/ 1777156 w 3781113"/>
-              <a:gd name="connsiteY6" fmla="*/ 2243265 h 3119469"/>
-              <a:gd name="connsiteX7" fmla="*/ 34155 w 3781113"/>
-              <a:gd name="connsiteY7" fmla="*/ 2013595 h 3119469"/>
-              <a:gd name="connsiteX8" fmla="*/ 709737 w 3781113"/>
-              <a:gd name="connsiteY8" fmla="*/ 1135447 h 3119469"/>
-              <a:gd name="connsiteX9" fmla="*/ 1790668 w 3781113"/>
-              <a:gd name="connsiteY9" fmla="*/ 1067897 h 3119469"/>
-              <a:gd name="connsiteX10" fmla="*/ 1655551 w 3781113"/>
-              <a:gd name="connsiteY10" fmla="*/ 649088 h 3119469"/>
-            </a:gdLst>
-            <a:ahLst/>
-            <a:cxnLst>
-              <a:cxn ang="0">
-                <a:pos x="connsiteX0" y="connsiteY0"/>
-              </a:cxn>
-              <a:cxn ang="0">
-                <a:pos x="connsiteX1" y="connsiteY1"/>
-              </a:cxn>
-              <a:cxn ang="0">
-                <a:pos x="connsiteX2" y="connsiteY2"/>
-              </a:cxn>
-              <a:cxn ang="0">
-                <a:pos x="connsiteX3" y="connsiteY3"/>
-              </a:cxn>
-              <a:cxn ang="0">
-                <a:pos x="connsiteX4" y="connsiteY4"/>
-              </a:cxn>
-              <a:cxn ang="0">
-                <a:pos x="connsiteX5" y="connsiteY5"/>
-              </a:cxn>
-              <a:cxn ang="0">
-                <a:pos x="connsiteX6" y="connsiteY6"/>
-              </a:cxn>
-              <a:cxn ang="0">
-                <a:pos x="connsiteX7" y="connsiteY7"/>
-              </a:cxn>
-              <a:cxn ang="0">
-                <a:pos x="connsiteX8" y="connsiteY8"/>
-              </a:cxn>
-              <a:cxn ang="0">
-                <a:pos x="connsiteX9" y="connsiteY9"/>
-              </a:cxn>
-              <a:cxn ang="0">
-                <a:pos x="connsiteX10" y="connsiteY10"/>
-              </a:cxn>
-            </a:cxnLst>
-            <a:rect l="l" t="t" r="r" b="b"/>
-            <a:pathLst>
-              <a:path w="3781113" h="3119469">
-                <a:moveTo>
-                  <a:pt x="1655551" y="649088"/>
-                </a:moveTo>
-                <a:cubicBezTo>
-                  <a:pt x="1675818" y="471207"/>
-                  <a:pt x="1702842" y="-19656"/>
-                  <a:pt x="1912272" y="609"/>
-                </a:cubicBezTo>
-                <a:cubicBezTo>
-                  <a:pt x="2121702" y="20874"/>
-                  <a:pt x="2887362" y="477962"/>
-                  <a:pt x="2912133" y="770678"/>
-                </a:cubicBezTo>
-                <a:cubicBezTo>
-                  <a:pt x="2936904" y="1063394"/>
-                  <a:pt x="1916776" y="1439422"/>
-                  <a:pt x="2060900" y="1756906"/>
-                </a:cubicBezTo>
-                <a:cubicBezTo>
-                  <a:pt x="2205024" y="2074390"/>
-                  <a:pt x="3875963" y="2450418"/>
-                  <a:pt x="3776878" y="2675584"/>
-                </a:cubicBezTo>
-                <a:cubicBezTo>
-                  <a:pt x="3677793" y="2900750"/>
-                  <a:pt x="1799675" y="3179956"/>
-                  <a:pt x="1466388" y="3107903"/>
-                </a:cubicBezTo>
-                <a:cubicBezTo>
-                  <a:pt x="1133101" y="3035850"/>
-                  <a:pt x="2015861" y="2425650"/>
-                  <a:pt x="1777156" y="2243265"/>
-                </a:cubicBezTo>
-                <a:cubicBezTo>
-                  <a:pt x="1538451" y="2060880"/>
-                  <a:pt x="212058" y="2198231"/>
-                  <a:pt x="34155" y="2013595"/>
-                </a:cubicBezTo>
-                <a:cubicBezTo>
-                  <a:pt x="-143748" y="1828959"/>
-                  <a:pt x="416985" y="1293063"/>
-                  <a:pt x="709737" y="1135447"/>
-                </a:cubicBezTo>
-                <a:cubicBezTo>
-                  <a:pt x="1002489" y="977831"/>
-                  <a:pt x="1633032" y="1151209"/>
-                  <a:pt x="1790668" y="1067897"/>
-                </a:cubicBezTo>
-                <a:cubicBezTo>
-                  <a:pt x="1948304" y="984586"/>
-                  <a:pt x="1635284" y="826969"/>
-                  <a:pt x="1655551" y="649088"/>
-                </a:cubicBezTo>
-                <a:close/>
-              </a:path>
-            </a:pathLst>
-          </a:custGeom>
-          <a:solidFill>
-            <a:schemeClr val="tx1"/>
-          </a:solidFill>
-          <a:ln>
-            <a:noFill/>
-          </a:ln>
-          <a:effectLst/>
-        </p:spPr>
-        <p:style>
-          <a:lnRef idx="1">
-            <a:schemeClr val="accent1"/>
-          </a:lnRef>
-          <a:fillRef idx="3">
-            <a:schemeClr val="accent1"/>
-          </a:fillRef>
-          <a:effectRef idx="2">
-            <a:schemeClr val="accent1"/>
-          </a:effectRef>
-          <a:fontRef idx="minor">
-            <a:schemeClr val="lt1"/>
-          </a:fontRef>
-        </p:style>
-        <p:txBody>
-          <a:bodyPr rtlCol="0" anchor="ctr"/>
-          <a:lstStyle/>
-          <a:p>
-            <a:pPr algn="ctr"/>
-            <a:endParaRPr lang="en-US"/>
-          </a:p>
-        </p:txBody>
-      </p:sp>
-      <p:sp>
-        <p:nvSpPr>
-          <p:cNvPr id="8" name="Freeform 7"/>
-          <p:cNvSpPr/>
-          <p:nvPr/>
-        </p:nvSpPr>
-        <p:spPr>
-          <a:xfrm>
-            <a:off x="4279818" y="3151004"/>
-            <a:ext cx="1759874" cy="1645036"/>
-          </a:xfrm>
-          <a:custGeom>
-            <a:avLst/>
-            <a:gdLst>
-              <a:gd name="connsiteX0" fmla="*/ 1655551 w 3781113"/>
-              <a:gd name="connsiteY0" fmla="*/ 649088 h 3119469"/>
-              <a:gd name="connsiteX1" fmla="*/ 1912272 w 3781113"/>
-              <a:gd name="connsiteY1" fmla="*/ 609 h 3119469"/>
-              <a:gd name="connsiteX2" fmla="*/ 2912133 w 3781113"/>
-              <a:gd name="connsiteY2" fmla="*/ 770678 h 3119469"/>
-              <a:gd name="connsiteX3" fmla="*/ 2060900 w 3781113"/>
-              <a:gd name="connsiteY3" fmla="*/ 1756906 h 3119469"/>
-              <a:gd name="connsiteX4" fmla="*/ 3776878 w 3781113"/>
-              <a:gd name="connsiteY4" fmla="*/ 2675584 h 3119469"/>
-              <a:gd name="connsiteX5" fmla="*/ 1466388 w 3781113"/>
-              <a:gd name="connsiteY5" fmla="*/ 3107903 h 3119469"/>
-              <a:gd name="connsiteX6" fmla="*/ 1777156 w 3781113"/>
-              <a:gd name="connsiteY6" fmla="*/ 2243265 h 3119469"/>
-              <a:gd name="connsiteX7" fmla="*/ 34155 w 3781113"/>
-              <a:gd name="connsiteY7" fmla="*/ 2013595 h 3119469"/>
-              <a:gd name="connsiteX8" fmla="*/ 709737 w 3781113"/>
-              <a:gd name="connsiteY8" fmla="*/ 1135447 h 3119469"/>
-              <a:gd name="connsiteX9" fmla="*/ 1790668 w 3781113"/>
-              <a:gd name="connsiteY9" fmla="*/ 1067897 h 3119469"/>
-              <a:gd name="connsiteX10" fmla="*/ 1655551 w 3781113"/>
-              <a:gd name="connsiteY10" fmla="*/ 649088 h 3119469"/>
-            </a:gdLst>
-            <a:ahLst/>
-            <a:cxnLst>
-              <a:cxn ang="0">
-                <a:pos x="connsiteX0" y="connsiteY0"/>
-              </a:cxn>
-              <a:cxn ang="0">
-                <a:pos x="connsiteX1" y="connsiteY1"/>
-              </a:cxn>
-              <a:cxn ang="0">
-                <a:pos x="connsiteX2" y="connsiteY2"/>
-              </a:cxn>
-              <a:cxn ang="0">
-                <a:pos x="connsiteX3" y="connsiteY3"/>
-              </a:cxn>
-              <a:cxn ang="0">
-                <a:pos x="connsiteX4" y="connsiteY4"/>
-              </a:cxn>
-              <a:cxn ang="0">
-                <a:pos x="connsiteX5" y="connsiteY5"/>
-              </a:cxn>
-              <a:cxn ang="0">
-                <a:pos x="connsiteX6" y="connsiteY6"/>
-              </a:cxn>
-              <a:cxn ang="0">
-                <a:pos x="connsiteX7" y="connsiteY7"/>
-              </a:cxn>
-              <a:cxn ang="0">
-                <a:pos x="connsiteX8" y="connsiteY8"/>
-              </a:cxn>
-              <a:cxn ang="0">
-                <a:pos x="connsiteX9" y="connsiteY9"/>
-              </a:cxn>
-              <a:cxn ang="0">
-                <a:pos x="connsiteX10" y="connsiteY10"/>
-              </a:cxn>
-            </a:cxnLst>
-            <a:rect l="l" t="t" r="r" b="b"/>
-            <a:pathLst>
-              <a:path w="3781113" h="3119469">
-                <a:moveTo>
-                  <a:pt x="1655551" y="649088"/>
-                </a:moveTo>
-                <a:cubicBezTo>
-                  <a:pt x="1675818" y="471207"/>
-                  <a:pt x="1702842" y="-19656"/>
-                  <a:pt x="1912272" y="609"/>
-                </a:cubicBezTo>
-                <a:cubicBezTo>
-                  <a:pt x="2121702" y="20874"/>
-                  <a:pt x="2887362" y="477962"/>
-                  <a:pt x="2912133" y="770678"/>
-                </a:cubicBezTo>
-                <a:cubicBezTo>
-                  <a:pt x="2936904" y="1063394"/>
-                  <a:pt x="1916776" y="1439422"/>
-                  <a:pt x="2060900" y="1756906"/>
-                </a:cubicBezTo>
-                <a:cubicBezTo>
-                  <a:pt x="2205024" y="2074390"/>
-                  <a:pt x="3875963" y="2450418"/>
-                  <a:pt x="3776878" y="2675584"/>
-                </a:cubicBezTo>
-                <a:cubicBezTo>
-                  <a:pt x="3677793" y="2900750"/>
-                  <a:pt x="1799675" y="3179956"/>
-                  <a:pt x="1466388" y="3107903"/>
-                </a:cubicBezTo>
-                <a:cubicBezTo>
-                  <a:pt x="1133101" y="3035850"/>
-                  <a:pt x="2015861" y="2425650"/>
-                  <a:pt x="1777156" y="2243265"/>
-                </a:cubicBezTo>
-                <a:cubicBezTo>
-                  <a:pt x="1538451" y="2060880"/>
-                  <a:pt x="212058" y="2198231"/>
-                  <a:pt x="34155" y="2013595"/>
-                </a:cubicBezTo>
-                <a:cubicBezTo>
-                  <a:pt x="-143748" y="1828959"/>
-                  <a:pt x="416985" y="1293063"/>
-                  <a:pt x="709737" y="1135447"/>
-                </a:cubicBezTo>
-                <a:cubicBezTo>
-                  <a:pt x="1002489" y="977831"/>
-                  <a:pt x="1633032" y="1151209"/>
-                  <a:pt x="1790668" y="1067897"/>
-                </a:cubicBezTo>
-                <a:cubicBezTo>
-                  <a:pt x="1948304" y="984586"/>
-                  <a:pt x="1635284" y="826969"/>
-                  <a:pt x="1655551" y="649088"/>
-                </a:cubicBezTo>
-                <a:close/>
-              </a:path>
-            </a:pathLst>
-          </a:custGeom>
-          <a:solidFill>
-            <a:schemeClr val="tx1"/>
-          </a:solidFill>
-          <a:ln>
-            <a:noFill/>
-          </a:ln>
-          <a:effectLst/>
-        </p:spPr>
-        <p:style>
-          <a:lnRef idx="1">
-            <a:schemeClr val="accent1"/>
-          </a:lnRef>
-          <a:fillRef idx="3">
-            <a:schemeClr val="accent1"/>
-          </a:fillRef>
-          <a:effectRef idx="2">
-            <a:schemeClr val="accent1"/>
-          </a:effectRef>
-          <a:fontRef idx="minor">
-            <a:schemeClr val="lt1"/>
-          </a:fontRef>
-        </p:style>
-        <p:txBody>
-          <a:bodyPr rtlCol="0" anchor="ctr"/>
-          <a:lstStyle/>
-          <a:p>
-            <a:pPr algn="ctr"/>
-            <a:endParaRPr lang="en-US"/>
-          </a:p>
-        </p:txBody>
-      </p:sp>
-      <p:sp>
-        <p:nvSpPr>
-          <p:cNvPr id="9" name="Freeform 8"/>
-          <p:cNvSpPr/>
-          <p:nvPr/>
-        </p:nvSpPr>
-        <p:spPr>
-          <a:xfrm rot="1647861">
-            <a:off x="6833994" y="2780065"/>
-            <a:ext cx="2196266" cy="2333650"/>
-          </a:xfrm>
-          <a:custGeom>
-            <a:avLst/>
-            <a:gdLst>
-              <a:gd name="connsiteX0" fmla="*/ 1655551 w 3781113"/>
-              <a:gd name="connsiteY0" fmla="*/ 649088 h 3119469"/>
-              <a:gd name="connsiteX1" fmla="*/ 1912272 w 3781113"/>
-              <a:gd name="connsiteY1" fmla="*/ 609 h 3119469"/>
-              <a:gd name="connsiteX2" fmla="*/ 2912133 w 3781113"/>
-              <a:gd name="connsiteY2" fmla="*/ 770678 h 3119469"/>
-              <a:gd name="connsiteX3" fmla="*/ 2060900 w 3781113"/>
-              <a:gd name="connsiteY3" fmla="*/ 1756906 h 3119469"/>
-              <a:gd name="connsiteX4" fmla="*/ 3776878 w 3781113"/>
-              <a:gd name="connsiteY4" fmla="*/ 2675584 h 3119469"/>
-              <a:gd name="connsiteX5" fmla="*/ 1466388 w 3781113"/>
-              <a:gd name="connsiteY5" fmla="*/ 3107903 h 3119469"/>
-              <a:gd name="connsiteX6" fmla="*/ 1777156 w 3781113"/>
-              <a:gd name="connsiteY6" fmla="*/ 2243265 h 3119469"/>
-              <a:gd name="connsiteX7" fmla="*/ 34155 w 3781113"/>
-              <a:gd name="connsiteY7" fmla="*/ 2013595 h 3119469"/>
-              <a:gd name="connsiteX8" fmla="*/ 709737 w 3781113"/>
-              <a:gd name="connsiteY8" fmla="*/ 1135447 h 3119469"/>
-              <a:gd name="connsiteX9" fmla="*/ 1790668 w 3781113"/>
-              <a:gd name="connsiteY9" fmla="*/ 1067897 h 3119469"/>
-              <a:gd name="connsiteX10" fmla="*/ 1655551 w 3781113"/>
-              <a:gd name="connsiteY10" fmla="*/ 649088 h 3119469"/>
-            </a:gdLst>
-            <a:ahLst/>
-            <a:cxnLst>
-              <a:cxn ang="0">
-                <a:pos x="connsiteX0" y="connsiteY0"/>
-              </a:cxn>
-              <a:cxn ang="0">
-                <a:pos x="connsiteX1" y="connsiteY1"/>
-              </a:cxn>
-              <a:cxn ang="0">
-                <a:pos x="connsiteX2" y="connsiteY2"/>
-              </a:cxn>
-              <a:cxn ang="0">
-                <a:pos x="connsiteX3" y="connsiteY3"/>
-              </a:cxn>
-              <a:cxn ang="0">
-                <a:pos x="connsiteX4" y="connsiteY4"/>
-              </a:cxn>
-              <a:cxn ang="0">
-                <a:pos x="connsiteX5" y="connsiteY5"/>
-              </a:cxn>
-              <a:cxn ang="0">
-                <a:pos x="connsiteX6" y="connsiteY6"/>
-              </a:cxn>
-              <a:cxn ang="0">
-                <a:pos x="connsiteX7" y="connsiteY7"/>
-              </a:cxn>
-              <a:cxn ang="0">
-                <a:pos x="connsiteX8" y="connsiteY8"/>
-              </a:cxn>
-              <a:cxn ang="0">
-                <a:pos x="connsiteX9" y="connsiteY9"/>
-              </a:cxn>
-              <a:cxn ang="0">
-                <a:pos x="connsiteX10" y="connsiteY10"/>
-              </a:cxn>
-            </a:cxnLst>
-            <a:rect l="l" t="t" r="r" b="b"/>
-            <a:pathLst>
-              <a:path w="3781113" h="3119469">
-                <a:moveTo>
-                  <a:pt x="1655551" y="649088"/>
-                </a:moveTo>
-                <a:cubicBezTo>
-                  <a:pt x="1675818" y="471207"/>
-                  <a:pt x="1702842" y="-19656"/>
-                  <a:pt x="1912272" y="609"/>
-                </a:cubicBezTo>
-                <a:cubicBezTo>
-                  <a:pt x="2121702" y="20874"/>
-                  <a:pt x="2887362" y="477962"/>
-                  <a:pt x="2912133" y="770678"/>
-                </a:cubicBezTo>
-                <a:cubicBezTo>
-                  <a:pt x="2936904" y="1063394"/>
-                  <a:pt x="1916776" y="1439422"/>
-                  <a:pt x="2060900" y="1756906"/>
-                </a:cubicBezTo>
-                <a:cubicBezTo>
-                  <a:pt x="2205024" y="2074390"/>
-                  <a:pt x="3875963" y="2450418"/>
-                  <a:pt x="3776878" y="2675584"/>
-                </a:cubicBezTo>
-                <a:cubicBezTo>
-                  <a:pt x="3677793" y="2900750"/>
-                  <a:pt x="1799675" y="3179956"/>
-                  <a:pt x="1466388" y="3107903"/>
-                </a:cubicBezTo>
-                <a:cubicBezTo>
-                  <a:pt x="1133101" y="3035850"/>
-                  <a:pt x="2015861" y="2425650"/>
-                  <a:pt x="1777156" y="2243265"/>
-                </a:cubicBezTo>
-                <a:cubicBezTo>
-                  <a:pt x="1538451" y="2060880"/>
-                  <a:pt x="212058" y="2198231"/>
-                  <a:pt x="34155" y="2013595"/>
-                </a:cubicBezTo>
-                <a:cubicBezTo>
-                  <a:pt x="-143748" y="1828959"/>
-                  <a:pt x="416985" y="1293063"/>
-                  <a:pt x="709737" y="1135447"/>
-                </a:cubicBezTo>
-                <a:cubicBezTo>
-                  <a:pt x="1002489" y="977831"/>
-                  <a:pt x="1633032" y="1151209"/>
-                  <a:pt x="1790668" y="1067897"/>
-                </a:cubicBezTo>
-                <a:cubicBezTo>
-                  <a:pt x="1948304" y="984586"/>
-                  <a:pt x="1635284" y="826969"/>
-                  <a:pt x="1655551" y="649088"/>
-                </a:cubicBezTo>
-                <a:close/>
-              </a:path>
-            </a:pathLst>
-          </a:custGeom>
-          <a:solidFill>
-            <a:schemeClr val="tx1"/>
-          </a:solidFill>
-          <a:ln>
-            <a:noFill/>
-          </a:ln>
-          <a:effectLst/>
-        </p:spPr>
-        <p:style>
-          <a:lnRef idx="1">
-            <a:schemeClr val="accent1"/>
-          </a:lnRef>
-          <a:fillRef idx="3">
-            <a:schemeClr val="accent1"/>
-          </a:fillRef>
-          <a:effectRef idx="2">
-            <a:schemeClr val="accent1"/>
-          </a:effectRef>
-          <a:fontRef idx="minor">
-            <a:schemeClr val="lt1"/>
-          </a:fontRef>
-        </p:style>
-        <p:txBody>
-          <a:bodyPr rtlCol="0" anchor="ctr"/>
-          <a:lstStyle/>
-          <a:p>
-            <a:pPr algn="ctr"/>
-            <a:endParaRPr lang="en-US"/>
-          </a:p>
-        </p:txBody>
-      </p:sp>
-      <p:sp>
-        <p:nvSpPr>
-          <p:cNvPr id="12" name="TextBox 11"/>
-          <p:cNvSpPr txBox="1"/>
-          <p:nvPr/>
-        </p:nvSpPr>
-        <p:spPr>
-          <a:xfrm>
-            <a:off x="2275026" y="5649785"/>
-            <a:ext cx="4736693" cy="830997"/>
-          </a:xfrm>
-          <a:prstGeom prst="rect">
-            <a:avLst/>
-          </a:prstGeom>
-          <a:solidFill>
-            <a:srgbClr val="FFFFFF"/>
-          </a:solidFill>
-        </p:spPr>
-        <p:txBody>
-          <a:bodyPr wrap="none" rtlCol="0">
-            <a:spAutoFit/>
-          </a:bodyPr>
-          <a:lstStyle/>
-          <a:p>
-            <a:endParaRPr lang="en-US" sz="2400" dirty="0">
-              <a:latin typeface="Trebuchet MS"/>
-              <a:cs typeface="Trebuchet MS"/>
-            </a:endParaRPr>
-          </a:p>
-          <a:p>
-            <a:r>
-              <a:rPr lang="en-US" sz="2400" dirty="0">
-                <a:latin typeface="Trebuchet MS"/>
-                <a:cs typeface="Trebuchet MS"/>
-              </a:rPr>
-              <a:t>They have similar Φ</a:t>
-            </a:r>
-            <a:r>
-              <a:rPr lang="en-US" sz="2400" baseline="-25000" dirty="0">
-                <a:latin typeface="Trebuchet MS"/>
-                <a:cs typeface="Trebuchet MS"/>
-              </a:rPr>
-              <a:t>1</a:t>
-            </a:r>
-            <a:r>
-              <a:rPr lang="en-US" sz="2400" dirty="0">
-                <a:latin typeface="Trebuchet MS"/>
-                <a:cs typeface="Trebuchet MS"/>
-              </a:rPr>
-              <a:t>, Φ</a:t>
-            </a:r>
-            <a:r>
-              <a:rPr lang="en-US" sz="2400" baseline="-25000" dirty="0">
-                <a:latin typeface="Trebuchet MS"/>
-                <a:cs typeface="Trebuchet MS"/>
-              </a:rPr>
-              <a:t>2</a:t>
-            </a:r>
-            <a:r>
-              <a:rPr lang="en-US" sz="2400" dirty="0">
-                <a:latin typeface="Trebuchet MS"/>
-                <a:cs typeface="Trebuchet MS"/>
-              </a:rPr>
-              <a:t>, … Φ</a:t>
-            </a:r>
-            <a:r>
-              <a:rPr lang="en-US" sz="2400" baseline="-25000" dirty="0">
-                <a:latin typeface="Trebuchet MS"/>
-                <a:cs typeface="Trebuchet MS"/>
-              </a:rPr>
-              <a:t>7</a:t>
-            </a:r>
-            <a:r>
-              <a:rPr lang="en-US" sz="2400" dirty="0">
-                <a:latin typeface="Trebuchet MS"/>
-                <a:cs typeface="Trebuchet MS"/>
-              </a:rPr>
-              <a:t>. </a:t>
-            </a:r>
-            <a:endParaRPr lang="en-US" sz="2400" dirty="0">
-              <a:latin typeface="LM Roman 10 Regular"/>
-              <a:cs typeface="LM Roman 10 Regular"/>
-            </a:endParaRPr>
-          </a:p>
-        </p:txBody>
-      </p:sp>
-      <p:sp>
-        <p:nvSpPr>
-          <p:cNvPr id="10" name="TextBox 9"/>
-          <p:cNvSpPr txBox="1"/>
-          <p:nvPr/>
-        </p:nvSpPr>
-        <p:spPr>
-          <a:xfrm>
-            <a:off x="5264599" y="147436"/>
-            <a:ext cx="3899625" cy="2308324"/>
-          </a:xfrm>
-          <a:prstGeom prst="rect">
-            <a:avLst/>
-          </a:prstGeom>
-          <a:noFill/>
-        </p:spPr>
-        <p:txBody>
-          <a:bodyPr wrap="none" rtlCol="0">
-            <a:spAutoFit/>
-          </a:bodyPr>
-          <a:lstStyle/>
-          <a:p>
-            <a:endParaRPr lang="en-US" sz="2400" dirty="0">
-              <a:solidFill>
-                <a:srgbClr val="3366FF"/>
-              </a:solidFill>
-              <a:latin typeface="Trebuchet MS"/>
-              <a:cs typeface="Trebuchet MS"/>
-            </a:endParaRPr>
-          </a:p>
-          <a:p>
-            <a:r>
-              <a:rPr lang="en-US" sz="2400" dirty="0">
-                <a:solidFill>
-                  <a:srgbClr val="3366FF"/>
-                </a:solidFill>
-                <a:latin typeface="Trebuchet MS"/>
-                <a:cs typeface="Trebuchet MS"/>
-              </a:rPr>
-              <a:t>They are invariant against: </a:t>
-            </a:r>
-          </a:p>
-          <a:p>
-            <a:pPr marL="742950" lvl="1" indent="-285750">
-              <a:buFont typeface="Arial"/>
-              <a:buChar char="•"/>
-            </a:pPr>
-            <a:r>
-              <a:rPr lang="en-US" sz="2400" dirty="0">
-                <a:solidFill>
-                  <a:srgbClr val="3366FF"/>
-                </a:solidFill>
-                <a:latin typeface="Trebuchet MS"/>
-                <a:cs typeface="Trebuchet MS"/>
-              </a:rPr>
-              <a:t>scale, </a:t>
-            </a:r>
-          </a:p>
-          <a:p>
-            <a:pPr marL="742950" lvl="1" indent="-285750">
-              <a:buFont typeface="Arial"/>
-              <a:buChar char="•"/>
-            </a:pPr>
-            <a:r>
-              <a:rPr lang="en-US" sz="2400" dirty="0">
-                <a:solidFill>
-                  <a:srgbClr val="3366FF"/>
-                </a:solidFill>
-                <a:latin typeface="Trebuchet MS"/>
-                <a:cs typeface="Trebuchet MS"/>
-              </a:rPr>
-              <a:t>rotation and </a:t>
-            </a:r>
-          </a:p>
-          <a:p>
-            <a:pPr marL="742950" lvl="1" indent="-285750">
-              <a:buFont typeface="Arial"/>
-              <a:buChar char="•"/>
-            </a:pPr>
-            <a:r>
-              <a:rPr lang="en-US" sz="2400" dirty="0">
-                <a:solidFill>
-                  <a:srgbClr val="3366FF"/>
-                </a:solidFill>
-                <a:latin typeface="Trebuchet MS"/>
-                <a:cs typeface="Trebuchet MS"/>
-              </a:rPr>
-              <a:t>location</a:t>
-            </a:r>
-          </a:p>
-          <a:p>
-            <a:pPr marL="285750" indent="-285750">
-              <a:buFont typeface="Arial"/>
-              <a:buChar char="•"/>
-            </a:pPr>
-            <a:endParaRPr lang="en-US" sz="2400" dirty="0">
-              <a:solidFill>
-                <a:srgbClr val="3366FF"/>
-              </a:solidFill>
-              <a:latin typeface="LM Roman 10 Regular"/>
-              <a:cs typeface="LM Roman 10 Regular"/>
-            </a:endParaRPr>
-          </a:p>
-        </p:txBody>
-      </p:sp>
-    </p:spTree>
-    <p:extLst>
-      <p:ext uri="{BB962C8B-B14F-4D97-AF65-F5344CB8AC3E}">
-        <p14:creationId xmlns:p14="http://schemas.microsoft.com/office/powerpoint/2010/main" val="1682109078"/>
-      </p:ext>
-    </p:extLst>
-  </p:cSld>
-  <p:clrMapOvr>
-    <a:masterClrMapping/>
-  </p:clrMapOvr>
-  <p:timing>
-    <p:tnLst>
-      <p:par>
-        <p:cTn id="1" dur="indefinite" restart="never" nodeType="tmRoot">
-          <p:childTnLst>
-            <p:seq concurrent="1" nextAc="seek">
-              <p:cTn id="2" dur="indefinite" nodeType="mainSeq">
-                <p:childTnLst>
-                  <p:par>
-                    <p:cTn id="3" fill="hold">
-                      <p:stCondLst>
-                        <p:cond delay="indefinite"/>
-                      </p:stCondLst>
-                      <p:childTnLst>
-                        <p:par>
-                          <p:cTn id="4" fill="hold">
-                            <p:stCondLst>
-                              <p:cond delay="0"/>
-                            </p:stCondLst>
-                            <p:childTnLst>
-                              <p:par>
-                                <p:cTn id="5" presetID="1" presetClass="entr" presetSubtype="0" fill="hold" grpId="0" nodeType="clickEffect">
-                                  <p:stCondLst>
-                                    <p:cond delay="0"/>
-                                  </p:stCondLst>
-                                  <p:childTnLst>
-                                    <p:set>
-                                      <p:cBhvr>
-                                        <p:cTn id="6" dur="1" fill="hold">
-                                          <p:stCondLst>
-                                            <p:cond delay="0"/>
-                                          </p:stCondLst>
-                                        </p:cTn>
-                                        <p:tgtEl>
-                                          <p:spTgt spid="12"/>
-                                        </p:tgtEl>
-                                        <p:attrNameLst>
-                                          <p:attrName>style.visibility</p:attrName>
-                                        </p:attrNameLst>
-                                      </p:cBhvr>
-                                      <p:to>
-                                        <p:strVal val="visible"/>
-                                      </p:to>
-                                    </p:set>
-                                  </p:childTnLst>
-                                </p:cTn>
-                              </p:par>
-                            </p:childTnLst>
-                          </p:cTn>
-                        </p:par>
-                      </p:childTnLst>
-                    </p:cTn>
-                  </p:par>
-                </p:childTnLst>
-              </p:cTn>
-              <p:prevCondLst>
-                <p:cond evt="onPrev" delay="0">
-                  <p:tgtEl>
-                    <p:sldTgt/>
-                  </p:tgtEl>
-                </p:cond>
-              </p:prevCondLst>
-              <p:nextCondLst>
-                <p:cond evt="onNext" delay="0">
-                  <p:tgtEl>
-                    <p:sldTgt/>
-                  </p:tgtEl>
-                </p:cond>
-              </p:nextCondLst>
-            </p:seq>
-          </p:childTnLst>
-        </p:cTn>
-      </p:par>
-    </p:tnLst>
-    <p:bldLst>
-      <p:bldP spid="12" grpId="0" animBg="1"/>
-    </p:bldLst>
-  </p:timing>
 </p:sld>
 </file>
 
